--- a/ProyectoDemo/Prototipos.pptx
+++ b/ProyectoDemo/Prototipos.pptx
@@ -7,6 +7,7 @@
   <p:sldIdLst>
     <p:sldId id="256" r:id="rId2"/>
     <p:sldId id="257" r:id="rId3"/>
+    <p:sldId id="258" r:id="rId4"/>
   </p:sldIdLst>
   <p:sldSz cx="12192000" cy="6858000"/>
   <p:notesSz cx="6858000" cy="9144000"/>
@@ -107,7 +108,7 @@
   </p:defaultTextStyle>
   <p:extLst>
     <p:ext uri="{EFAFB233-063F-42B5-8137-9DF3F51BA10A}">
-      <p15:sldGuideLst xmlns:p15="http://schemas.microsoft.com/office/powerpoint/2012/main"/>
+      <p15:sldGuideLst xmlns:p15="http://schemas.microsoft.com/office/powerpoint/2012/main" xmlns=""/>
     </p:ext>
   </p:extLst>
 </p:presentation>
@@ -135,7 +136,7 @@
           <p:cNvPr id="2" name="Título 1">
             <a:extLst>
               <a:ext uri="{FF2B5EF4-FFF2-40B4-BE49-F238E27FC236}">
-                <a16:creationId xmlns:a16="http://schemas.microsoft.com/office/drawing/2014/main" id="{E8EC8A40-1F16-40C6-9DF4-66629443346A}"/>
+                <a16:creationId xmlns:a16="http://schemas.microsoft.com/office/drawing/2014/main" xmlns="" id="{E8EC8A40-1F16-40C6-9DF4-66629443346A}"/>
               </a:ext>
             </a:extLst>
           </p:cNvPr>
@@ -173,7 +174,7 @@
           <p:cNvPr id="3" name="Subtítulo 2">
             <a:extLst>
               <a:ext uri="{FF2B5EF4-FFF2-40B4-BE49-F238E27FC236}">
-                <a16:creationId xmlns:a16="http://schemas.microsoft.com/office/drawing/2014/main" id="{CE60B4AB-AB2E-454B-B34F-8F60629D9ED7}"/>
+                <a16:creationId xmlns:a16="http://schemas.microsoft.com/office/drawing/2014/main" xmlns="" id="{CE60B4AB-AB2E-454B-B34F-8F60629D9ED7}"/>
               </a:ext>
             </a:extLst>
           </p:cNvPr>
@@ -244,7 +245,7 @@
           <p:cNvPr id="4" name="Marcador de fecha 3">
             <a:extLst>
               <a:ext uri="{FF2B5EF4-FFF2-40B4-BE49-F238E27FC236}">
-                <a16:creationId xmlns:a16="http://schemas.microsoft.com/office/drawing/2014/main" id="{39C770B9-4F5A-4E2E-A21E-B43D59CF2888}"/>
+                <a16:creationId xmlns:a16="http://schemas.microsoft.com/office/drawing/2014/main" xmlns="" id="{39C770B9-4F5A-4E2E-A21E-B43D59CF2888}"/>
               </a:ext>
             </a:extLst>
           </p:cNvPr>
@@ -262,7 +263,7 @@
           <a:p>
             <a:fld id="{59479DF8-B0D2-410D-BE61-5137DF0C497D}" type="datetimeFigureOut">
               <a:rPr lang="es-PE" smtClean="0"/>
-              <a:t>21/10/2022</a:t>
+              <a:t>27/10/2022</a:t>
             </a:fld>
             <a:endParaRPr lang="es-PE"/>
           </a:p>
@@ -273,7 +274,7 @@
           <p:cNvPr id="5" name="Marcador de pie de página 4">
             <a:extLst>
               <a:ext uri="{FF2B5EF4-FFF2-40B4-BE49-F238E27FC236}">
-                <a16:creationId xmlns:a16="http://schemas.microsoft.com/office/drawing/2014/main" id="{5BBCE809-2D91-4FEF-9BE2-67689E652EB5}"/>
+                <a16:creationId xmlns:a16="http://schemas.microsoft.com/office/drawing/2014/main" xmlns="" id="{5BBCE809-2D91-4FEF-9BE2-67689E652EB5}"/>
               </a:ext>
             </a:extLst>
           </p:cNvPr>
@@ -298,7 +299,7 @@
           <p:cNvPr id="6" name="Marcador de número de diapositiva 5">
             <a:extLst>
               <a:ext uri="{FF2B5EF4-FFF2-40B4-BE49-F238E27FC236}">
-                <a16:creationId xmlns:a16="http://schemas.microsoft.com/office/drawing/2014/main" id="{3D5915D8-7898-4A35-A85E-BC188AEB0C59}"/>
+                <a16:creationId xmlns:a16="http://schemas.microsoft.com/office/drawing/2014/main" xmlns="" id="{3D5915D8-7898-4A35-A85E-BC188AEB0C59}"/>
               </a:ext>
             </a:extLst>
           </p:cNvPr>
@@ -357,7 +358,7 @@
           <p:cNvPr id="2" name="Título 1">
             <a:extLst>
               <a:ext uri="{FF2B5EF4-FFF2-40B4-BE49-F238E27FC236}">
-                <a16:creationId xmlns:a16="http://schemas.microsoft.com/office/drawing/2014/main" id="{D9515A3B-010E-40F0-95C7-40E9781A288D}"/>
+                <a16:creationId xmlns:a16="http://schemas.microsoft.com/office/drawing/2014/main" xmlns="" id="{D9515A3B-010E-40F0-95C7-40E9781A288D}"/>
               </a:ext>
             </a:extLst>
           </p:cNvPr>
@@ -386,7 +387,7 @@
           <p:cNvPr id="3" name="Marcador de texto vertical 2">
             <a:extLst>
               <a:ext uri="{FF2B5EF4-FFF2-40B4-BE49-F238E27FC236}">
-                <a16:creationId xmlns:a16="http://schemas.microsoft.com/office/drawing/2014/main" id="{905E3851-F3E3-49CA-89DB-198A9DF87B95}"/>
+                <a16:creationId xmlns:a16="http://schemas.microsoft.com/office/drawing/2014/main" xmlns="" id="{905E3851-F3E3-49CA-89DB-198A9DF87B95}"/>
               </a:ext>
             </a:extLst>
           </p:cNvPr>
@@ -444,7 +445,7 @@
           <p:cNvPr id="4" name="Marcador de fecha 3">
             <a:extLst>
               <a:ext uri="{FF2B5EF4-FFF2-40B4-BE49-F238E27FC236}">
-                <a16:creationId xmlns:a16="http://schemas.microsoft.com/office/drawing/2014/main" id="{F45B6384-9B9D-4A09-A634-F7F734BF95A5}"/>
+                <a16:creationId xmlns:a16="http://schemas.microsoft.com/office/drawing/2014/main" xmlns="" id="{F45B6384-9B9D-4A09-A634-F7F734BF95A5}"/>
               </a:ext>
             </a:extLst>
           </p:cNvPr>
@@ -462,7 +463,7 @@
           <a:p>
             <a:fld id="{59479DF8-B0D2-410D-BE61-5137DF0C497D}" type="datetimeFigureOut">
               <a:rPr lang="es-PE" smtClean="0"/>
-              <a:t>21/10/2022</a:t>
+              <a:t>27/10/2022</a:t>
             </a:fld>
             <a:endParaRPr lang="es-PE"/>
           </a:p>
@@ -473,7 +474,7 @@
           <p:cNvPr id="5" name="Marcador de pie de página 4">
             <a:extLst>
               <a:ext uri="{FF2B5EF4-FFF2-40B4-BE49-F238E27FC236}">
-                <a16:creationId xmlns:a16="http://schemas.microsoft.com/office/drawing/2014/main" id="{A892F064-DF2D-4FED-9288-1BAFE14170D9}"/>
+                <a16:creationId xmlns:a16="http://schemas.microsoft.com/office/drawing/2014/main" xmlns="" id="{A892F064-DF2D-4FED-9288-1BAFE14170D9}"/>
               </a:ext>
             </a:extLst>
           </p:cNvPr>
@@ -498,7 +499,7 @@
           <p:cNvPr id="6" name="Marcador de número de diapositiva 5">
             <a:extLst>
               <a:ext uri="{FF2B5EF4-FFF2-40B4-BE49-F238E27FC236}">
-                <a16:creationId xmlns:a16="http://schemas.microsoft.com/office/drawing/2014/main" id="{49AE3655-9DAA-4FE4-8BBB-CC3DF1A2F93D}"/>
+                <a16:creationId xmlns:a16="http://schemas.microsoft.com/office/drawing/2014/main" xmlns="" id="{49AE3655-9DAA-4FE4-8BBB-CC3DF1A2F93D}"/>
               </a:ext>
             </a:extLst>
           </p:cNvPr>
@@ -557,7 +558,7 @@
           <p:cNvPr id="2" name="Título vertical 1">
             <a:extLst>
               <a:ext uri="{FF2B5EF4-FFF2-40B4-BE49-F238E27FC236}">
-                <a16:creationId xmlns:a16="http://schemas.microsoft.com/office/drawing/2014/main" id="{B96A90C2-2131-429A-8248-05128975B877}"/>
+                <a16:creationId xmlns:a16="http://schemas.microsoft.com/office/drawing/2014/main" xmlns="" id="{B96A90C2-2131-429A-8248-05128975B877}"/>
               </a:ext>
             </a:extLst>
           </p:cNvPr>
@@ -591,7 +592,7 @@
           <p:cNvPr id="3" name="Marcador de texto vertical 2">
             <a:extLst>
               <a:ext uri="{FF2B5EF4-FFF2-40B4-BE49-F238E27FC236}">
-                <a16:creationId xmlns:a16="http://schemas.microsoft.com/office/drawing/2014/main" id="{0B44F883-80F4-4C02-B9AD-73AE9B20B58A}"/>
+                <a16:creationId xmlns:a16="http://schemas.microsoft.com/office/drawing/2014/main" xmlns="" id="{0B44F883-80F4-4C02-B9AD-73AE9B20B58A}"/>
               </a:ext>
             </a:extLst>
           </p:cNvPr>
@@ -654,7 +655,7 @@
           <p:cNvPr id="4" name="Marcador de fecha 3">
             <a:extLst>
               <a:ext uri="{FF2B5EF4-FFF2-40B4-BE49-F238E27FC236}">
-                <a16:creationId xmlns:a16="http://schemas.microsoft.com/office/drawing/2014/main" id="{C6C62FC4-B599-47F4-87FA-9ECABD79A3A3}"/>
+                <a16:creationId xmlns:a16="http://schemas.microsoft.com/office/drawing/2014/main" xmlns="" id="{C6C62FC4-B599-47F4-87FA-9ECABD79A3A3}"/>
               </a:ext>
             </a:extLst>
           </p:cNvPr>
@@ -672,7 +673,7 @@
           <a:p>
             <a:fld id="{59479DF8-B0D2-410D-BE61-5137DF0C497D}" type="datetimeFigureOut">
               <a:rPr lang="es-PE" smtClean="0"/>
-              <a:t>21/10/2022</a:t>
+              <a:t>27/10/2022</a:t>
             </a:fld>
             <a:endParaRPr lang="es-PE"/>
           </a:p>
@@ -683,7 +684,7 @@
           <p:cNvPr id="5" name="Marcador de pie de página 4">
             <a:extLst>
               <a:ext uri="{FF2B5EF4-FFF2-40B4-BE49-F238E27FC236}">
-                <a16:creationId xmlns:a16="http://schemas.microsoft.com/office/drawing/2014/main" id="{DB0A9576-06E8-492A-B89B-CADC54B44E96}"/>
+                <a16:creationId xmlns:a16="http://schemas.microsoft.com/office/drawing/2014/main" xmlns="" id="{DB0A9576-06E8-492A-B89B-CADC54B44E96}"/>
               </a:ext>
             </a:extLst>
           </p:cNvPr>
@@ -708,7 +709,7 @@
           <p:cNvPr id="6" name="Marcador de número de diapositiva 5">
             <a:extLst>
               <a:ext uri="{FF2B5EF4-FFF2-40B4-BE49-F238E27FC236}">
-                <a16:creationId xmlns:a16="http://schemas.microsoft.com/office/drawing/2014/main" id="{C6DDB86B-2355-49F3-9809-EF97F507E10A}"/>
+                <a16:creationId xmlns:a16="http://schemas.microsoft.com/office/drawing/2014/main" xmlns="" id="{C6DDB86B-2355-49F3-9809-EF97F507E10A}"/>
               </a:ext>
             </a:extLst>
           </p:cNvPr>
@@ -767,7 +768,7 @@
           <p:cNvPr id="2" name="Título 1">
             <a:extLst>
               <a:ext uri="{FF2B5EF4-FFF2-40B4-BE49-F238E27FC236}">
-                <a16:creationId xmlns:a16="http://schemas.microsoft.com/office/drawing/2014/main" id="{1A5DC2B6-F0AA-4A69-9209-38179EDECED3}"/>
+                <a16:creationId xmlns:a16="http://schemas.microsoft.com/office/drawing/2014/main" xmlns="" id="{1A5DC2B6-F0AA-4A69-9209-38179EDECED3}"/>
               </a:ext>
             </a:extLst>
           </p:cNvPr>
@@ -796,7 +797,7 @@
           <p:cNvPr id="3" name="Marcador de contenido 2">
             <a:extLst>
               <a:ext uri="{FF2B5EF4-FFF2-40B4-BE49-F238E27FC236}">
-                <a16:creationId xmlns:a16="http://schemas.microsoft.com/office/drawing/2014/main" id="{6DAFD74A-E74C-48E1-8621-0D1C0133D906}"/>
+                <a16:creationId xmlns:a16="http://schemas.microsoft.com/office/drawing/2014/main" xmlns="" id="{6DAFD74A-E74C-48E1-8621-0D1C0133D906}"/>
               </a:ext>
             </a:extLst>
           </p:cNvPr>
@@ -854,7 +855,7 @@
           <p:cNvPr id="4" name="Marcador de fecha 3">
             <a:extLst>
               <a:ext uri="{FF2B5EF4-FFF2-40B4-BE49-F238E27FC236}">
-                <a16:creationId xmlns:a16="http://schemas.microsoft.com/office/drawing/2014/main" id="{65F4F563-2DC4-42D5-8565-4B5AEE67420D}"/>
+                <a16:creationId xmlns:a16="http://schemas.microsoft.com/office/drawing/2014/main" xmlns="" id="{65F4F563-2DC4-42D5-8565-4B5AEE67420D}"/>
               </a:ext>
             </a:extLst>
           </p:cNvPr>
@@ -872,7 +873,7 @@
           <a:p>
             <a:fld id="{59479DF8-B0D2-410D-BE61-5137DF0C497D}" type="datetimeFigureOut">
               <a:rPr lang="es-PE" smtClean="0"/>
-              <a:t>21/10/2022</a:t>
+              <a:t>27/10/2022</a:t>
             </a:fld>
             <a:endParaRPr lang="es-PE"/>
           </a:p>
@@ -883,7 +884,7 @@
           <p:cNvPr id="5" name="Marcador de pie de página 4">
             <a:extLst>
               <a:ext uri="{FF2B5EF4-FFF2-40B4-BE49-F238E27FC236}">
-                <a16:creationId xmlns:a16="http://schemas.microsoft.com/office/drawing/2014/main" id="{2FFDD678-0631-4B19-8942-157A0CC28804}"/>
+                <a16:creationId xmlns:a16="http://schemas.microsoft.com/office/drawing/2014/main" xmlns="" id="{2FFDD678-0631-4B19-8942-157A0CC28804}"/>
               </a:ext>
             </a:extLst>
           </p:cNvPr>
@@ -908,7 +909,7 @@
           <p:cNvPr id="6" name="Marcador de número de diapositiva 5">
             <a:extLst>
               <a:ext uri="{FF2B5EF4-FFF2-40B4-BE49-F238E27FC236}">
-                <a16:creationId xmlns:a16="http://schemas.microsoft.com/office/drawing/2014/main" id="{0DD7F7F8-6E54-46C4-B2C5-328EC4C83651}"/>
+                <a16:creationId xmlns:a16="http://schemas.microsoft.com/office/drawing/2014/main" xmlns="" id="{0DD7F7F8-6E54-46C4-B2C5-328EC4C83651}"/>
               </a:ext>
             </a:extLst>
           </p:cNvPr>
@@ -967,7 +968,7 @@
           <p:cNvPr id="2" name="Título 1">
             <a:extLst>
               <a:ext uri="{FF2B5EF4-FFF2-40B4-BE49-F238E27FC236}">
-                <a16:creationId xmlns:a16="http://schemas.microsoft.com/office/drawing/2014/main" id="{29B04262-7CF5-496B-909E-24539CDC3314}"/>
+                <a16:creationId xmlns:a16="http://schemas.microsoft.com/office/drawing/2014/main" xmlns="" id="{29B04262-7CF5-496B-909E-24539CDC3314}"/>
               </a:ext>
             </a:extLst>
           </p:cNvPr>
@@ -1005,7 +1006,7 @@
           <p:cNvPr id="3" name="Marcador de texto 2">
             <a:extLst>
               <a:ext uri="{FF2B5EF4-FFF2-40B4-BE49-F238E27FC236}">
-                <a16:creationId xmlns:a16="http://schemas.microsoft.com/office/drawing/2014/main" id="{C28FBDBF-F5BD-41BB-AAD6-E5D627BFB103}"/>
+                <a16:creationId xmlns:a16="http://schemas.microsoft.com/office/drawing/2014/main" xmlns="" id="{C28FBDBF-F5BD-41BB-AAD6-E5D627BFB103}"/>
               </a:ext>
             </a:extLst>
           </p:cNvPr>
@@ -1130,7 +1131,7 @@
           <p:cNvPr id="4" name="Marcador de fecha 3">
             <a:extLst>
               <a:ext uri="{FF2B5EF4-FFF2-40B4-BE49-F238E27FC236}">
-                <a16:creationId xmlns:a16="http://schemas.microsoft.com/office/drawing/2014/main" id="{FCF3F5E0-AE11-4407-9093-107551B4D697}"/>
+                <a16:creationId xmlns:a16="http://schemas.microsoft.com/office/drawing/2014/main" xmlns="" id="{FCF3F5E0-AE11-4407-9093-107551B4D697}"/>
               </a:ext>
             </a:extLst>
           </p:cNvPr>
@@ -1148,7 +1149,7 @@
           <a:p>
             <a:fld id="{59479DF8-B0D2-410D-BE61-5137DF0C497D}" type="datetimeFigureOut">
               <a:rPr lang="es-PE" smtClean="0"/>
-              <a:t>21/10/2022</a:t>
+              <a:t>27/10/2022</a:t>
             </a:fld>
             <a:endParaRPr lang="es-PE"/>
           </a:p>
@@ -1159,7 +1160,7 @@
           <p:cNvPr id="5" name="Marcador de pie de página 4">
             <a:extLst>
               <a:ext uri="{FF2B5EF4-FFF2-40B4-BE49-F238E27FC236}">
-                <a16:creationId xmlns:a16="http://schemas.microsoft.com/office/drawing/2014/main" id="{55894796-FD3B-447E-99D9-07D14422928D}"/>
+                <a16:creationId xmlns:a16="http://schemas.microsoft.com/office/drawing/2014/main" xmlns="" id="{55894796-FD3B-447E-99D9-07D14422928D}"/>
               </a:ext>
             </a:extLst>
           </p:cNvPr>
@@ -1184,7 +1185,7 @@
           <p:cNvPr id="6" name="Marcador de número de diapositiva 5">
             <a:extLst>
               <a:ext uri="{FF2B5EF4-FFF2-40B4-BE49-F238E27FC236}">
-                <a16:creationId xmlns:a16="http://schemas.microsoft.com/office/drawing/2014/main" id="{0CBC4758-7AA9-4D3B-9E26-C279D1A6ADFD}"/>
+                <a16:creationId xmlns:a16="http://schemas.microsoft.com/office/drawing/2014/main" xmlns="" id="{0CBC4758-7AA9-4D3B-9E26-C279D1A6ADFD}"/>
               </a:ext>
             </a:extLst>
           </p:cNvPr>
@@ -1243,7 +1244,7 @@
           <p:cNvPr id="2" name="Título 1">
             <a:extLst>
               <a:ext uri="{FF2B5EF4-FFF2-40B4-BE49-F238E27FC236}">
-                <a16:creationId xmlns:a16="http://schemas.microsoft.com/office/drawing/2014/main" id="{3DEF3118-56E5-4AEE-8103-D68222F636A7}"/>
+                <a16:creationId xmlns:a16="http://schemas.microsoft.com/office/drawing/2014/main" xmlns="" id="{3DEF3118-56E5-4AEE-8103-D68222F636A7}"/>
               </a:ext>
             </a:extLst>
           </p:cNvPr>
@@ -1272,7 +1273,7 @@
           <p:cNvPr id="3" name="Marcador de contenido 2">
             <a:extLst>
               <a:ext uri="{FF2B5EF4-FFF2-40B4-BE49-F238E27FC236}">
-                <a16:creationId xmlns:a16="http://schemas.microsoft.com/office/drawing/2014/main" id="{9A9A86F8-5886-48DF-BB91-6A03C847B440}"/>
+                <a16:creationId xmlns:a16="http://schemas.microsoft.com/office/drawing/2014/main" xmlns="" id="{9A9A86F8-5886-48DF-BB91-6A03C847B440}"/>
               </a:ext>
             </a:extLst>
           </p:cNvPr>
@@ -1335,7 +1336,7 @@
           <p:cNvPr id="4" name="Marcador de contenido 3">
             <a:extLst>
               <a:ext uri="{FF2B5EF4-FFF2-40B4-BE49-F238E27FC236}">
-                <a16:creationId xmlns:a16="http://schemas.microsoft.com/office/drawing/2014/main" id="{F4657FB9-64F4-4265-AC1B-50F49AA715B3}"/>
+                <a16:creationId xmlns:a16="http://schemas.microsoft.com/office/drawing/2014/main" xmlns="" id="{F4657FB9-64F4-4265-AC1B-50F49AA715B3}"/>
               </a:ext>
             </a:extLst>
           </p:cNvPr>
@@ -1398,7 +1399,7 @@
           <p:cNvPr id="5" name="Marcador de fecha 4">
             <a:extLst>
               <a:ext uri="{FF2B5EF4-FFF2-40B4-BE49-F238E27FC236}">
-                <a16:creationId xmlns:a16="http://schemas.microsoft.com/office/drawing/2014/main" id="{965C892B-EF09-49CF-BB7A-FE0A917045AD}"/>
+                <a16:creationId xmlns:a16="http://schemas.microsoft.com/office/drawing/2014/main" xmlns="" id="{965C892B-EF09-49CF-BB7A-FE0A917045AD}"/>
               </a:ext>
             </a:extLst>
           </p:cNvPr>
@@ -1416,7 +1417,7 @@
           <a:p>
             <a:fld id="{59479DF8-B0D2-410D-BE61-5137DF0C497D}" type="datetimeFigureOut">
               <a:rPr lang="es-PE" smtClean="0"/>
-              <a:t>21/10/2022</a:t>
+              <a:t>27/10/2022</a:t>
             </a:fld>
             <a:endParaRPr lang="es-PE"/>
           </a:p>
@@ -1427,7 +1428,7 @@
           <p:cNvPr id="6" name="Marcador de pie de página 5">
             <a:extLst>
               <a:ext uri="{FF2B5EF4-FFF2-40B4-BE49-F238E27FC236}">
-                <a16:creationId xmlns:a16="http://schemas.microsoft.com/office/drawing/2014/main" id="{F3677323-7A63-4122-AFA9-2C1294C53279}"/>
+                <a16:creationId xmlns:a16="http://schemas.microsoft.com/office/drawing/2014/main" xmlns="" id="{F3677323-7A63-4122-AFA9-2C1294C53279}"/>
               </a:ext>
             </a:extLst>
           </p:cNvPr>
@@ -1452,7 +1453,7 @@
           <p:cNvPr id="7" name="Marcador de número de diapositiva 6">
             <a:extLst>
               <a:ext uri="{FF2B5EF4-FFF2-40B4-BE49-F238E27FC236}">
-                <a16:creationId xmlns:a16="http://schemas.microsoft.com/office/drawing/2014/main" id="{976A3539-C7EB-416A-82FE-18F1C8DD0CDA}"/>
+                <a16:creationId xmlns:a16="http://schemas.microsoft.com/office/drawing/2014/main" xmlns="" id="{976A3539-C7EB-416A-82FE-18F1C8DD0CDA}"/>
               </a:ext>
             </a:extLst>
           </p:cNvPr>
@@ -1511,7 +1512,7 @@
           <p:cNvPr id="2" name="Título 1">
             <a:extLst>
               <a:ext uri="{FF2B5EF4-FFF2-40B4-BE49-F238E27FC236}">
-                <a16:creationId xmlns:a16="http://schemas.microsoft.com/office/drawing/2014/main" id="{C49CE521-7EA3-44A2-BD3F-8A3FE286ECDD}"/>
+                <a16:creationId xmlns:a16="http://schemas.microsoft.com/office/drawing/2014/main" xmlns="" id="{C49CE521-7EA3-44A2-BD3F-8A3FE286ECDD}"/>
               </a:ext>
             </a:extLst>
           </p:cNvPr>
@@ -1545,7 +1546,7 @@
           <p:cNvPr id="3" name="Marcador de texto 2">
             <a:extLst>
               <a:ext uri="{FF2B5EF4-FFF2-40B4-BE49-F238E27FC236}">
-                <a16:creationId xmlns:a16="http://schemas.microsoft.com/office/drawing/2014/main" id="{DA30B8A4-77FC-45FF-85E2-0A36228CDE23}"/>
+                <a16:creationId xmlns:a16="http://schemas.microsoft.com/office/drawing/2014/main" xmlns="" id="{DA30B8A4-77FC-45FF-85E2-0A36228CDE23}"/>
               </a:ext>
             </a:extLst>
           </p:cNvPr>
@@ -1616,7 +1617,7 @@
           <p:cNvPr id="4" name="Marcador de contenido 3">
             <a:extLst>
               <a:ext uri="{FF2B5EF4-FFF2-40B4-BE49-F238E27FC236}">
-                <a16:creationId xmlns:a16="http://schemas.microsoft.com/office/drawing/2014/main" id="{53EBDD74-ED08-42E3-BE92-EB8C864FA7D8}"/>
+                <a16:creationId xmlns:a16="http://schemas.microsoft.com/office/drawing/2014/main" xmlns="" id="{53EBDD74-ED08-42E3-BE92-EB8C864FA7D8}"/>
               </a:ext>
             </a:extLst>
           </p:cNvPr>
@@ -1679,7 +1680,7 @@
           <p:cNvPr id="5" name="Marcador de texto 4">
             <a:extLst>
               <a:ext uri="{FF2B5EF4-FFF2-40B4-BE49-F238E27FC236}">
-                <a16:creationId xmlns:a16="http://schemas.microsoft.com/office/drawing/2014/main" id="{C48AB652-FEFE-4725-8000-4F39A7EABACA}"/>
+                <a16:creationId xmlns:a16="http://schemas.microsoft.com/office/drawing/2014/main" xmlns="" id="{C48AB652-FEFE-4725-8000-4F39A7EABACA}"/>
               </a:ext>
             </a:extLst>
           </p:cNvPr>
@@ -1750,7 +1751,7 @@
           <p:cNvPr id="6" name="Marcador de contenido 5">
             <a:extLst>
               <a:ext uri="{FF2B5EF4-FFF2-40B4-BE49-F238E27FC236}">
-                <a16:creationId xmlns:a16="http://schemas.microsoft.com/office/drawing/2014/main" id="{1FACE53D-2726-4C07-AB60-0FC49C246216}"/>
+                <a16:creationId xmlns:a16="http://schemas.microsoft.com/office/drawing/2014/main" xmlns="" id="{1FACE53D-2726-4C07-AB60-0FC49C246216}"/>
               </a:ext>
             </a:extLst>
           </p:cNvPr>
@@ -1813,7 +1814,7 @@
           <p:cNvPr id="7" name="Marcador de fecha 6">
             <a:extLst>
               <a:ext uri="{FF2B5EF4-FFF2-40B4-BE49-F238E27FC236}">
-                <a16:creationId xmlns:a16="http://schemas.microsoft.com/office/drawing/2014/main" id="{07AE7482-3BC9-417E-8AC6-887CF1F52873}"/>
+                <a16:creationId xmlns:a16="http://schemas.microsoft.com/office/drawing/2014/main" xmlns="" id="{07AE7482-3BC9-417E-8AC6-887CF1F52873}"/>
               </a:ext>
             </a:extLst>
           </p:cNvPr>
@@ -1831,7 +1832,7 @@
           <a:p>
             <a:fld id="{59479DF8-B0D2-410D-BE61-5137DF0C497D}" type="datetimeFigureOut">
               <a:rPr lang="es-PE" smtClean="0"/>
-              <a:t>21/10/2022</a:t>
+              <a:t>27/10/2022</a:t>
             </a:fld>
             <a:endParaRPr lang="es-PE"/>
           </a:p>
@@ -1842,7 +1843,7 @@
           <p:cNvPr id="8" name="Marcador de pie de página 7">
             <a:extLst>
               <a:ext uri="{FF2B5EF4-FFF2-40B4-BE49-F238E27FC236}">
-                <a16:creationId xmlns:a16="http://schemas.microsoft.com/office/drawing/2014/main" id="{1E1142D6-8117-4777-87DD-74DC442979F0}"/>
+                <a16:creationId xmlns:a16="http://schemas.microsoft.com/office/drawing/2014/main" xmlns="" id="{1E1142D6-8117-4777-87DD-74DC442979F0}"/>
               </a:ext>
             </a:extLst>
           </p:cNvPr>
@@ -1867,7 +1868,7 @@
           <p:cNvPr id="9" name="Marcador de número de diapositiva 8">
             <a:extLst>
               <a:ext uri="{FF2B5EF4-FFF2-40B4-BE49-F238E27FC236}">
-                <a16:creationId xmlns:a16="http://schemas.microsoft.com/office/drawing/2014/main" id="{42341521-F307-41B8-9481-1C90BEEBDFDF}"/>
+                <a16:creationId xmlns:a16="http://schemas.microsoft.com/office/drawing/2014/main" xmlns="" id="{42341521-F307-41B8-9481-1C90BEEBDFDF}"/>
               </a:ext>
             </a:extLst>
           </p:cNvPr>
@@ -1926,7 +1927,7 @@
           <p:cNvPr id="2" name="Título 1">
             <a:extLst>
               <a:ext uri="{FF2B5EF4-FFF2-40B4-BE49-F238E27FC236}">
-                <a16:creationId xmlns:a16="http://schemas.microsoft.com/office/drawing/2014/main" id="{16771085-54A2-4A83-9C03-FE2586F4044D}"/>
+                <a16:creationId xmlns:a16="http://schemas.microsoft.com/office/drawing/2014/main" xmlns="" id="{16771085-54A2-4A83-9C03-FE2586F4044D}"/>
               </a:ext>
             </a:extLst>
           </p:cNvPr>
@@ -1955,7 +1956,7 @@
           <p:cNvPr id="3" name="Marcador de fecha 2">
             <a:extLst>
               <a:ext uri="{FF2B5EF4-FFF2-40B4-BE49-F238E27FC236}">
-                <a16:creationId xmlns:a16="http://schemas.microsoft.com/office/drawing/2014/main" id="{72D99CAB-D058-4DF3-A846-A79AE75B9600}"/>
+                <a16:creationId xmlns:a16="http://schemas.microsoft.com/office/drawing/2014/main" xmlns="" id="{72D99CAB-D058-4DF3-A846-A79AE75B9600}"/>
               </a:ext>
             </a:extLst>
           </p:cNvPr>
@@ -1973,7 +1974,7 @@
           <a:p>
             <a:fld id="{59479DF8-B0D2-410D-BE61-5137DF0C497D}" type="datetimeFigureOut">
               <a:rPr lang="es-PE" smtClean="0"/>
-              <a:t>21/10/2022</a:t>
+              <a:t>27/10/2022</a:t>
             </a:fld>
             <a:endParaRPr lang="es-PE"/>
           </a:p>
@@ -1984,7 +1985,7 @@
           <p:cNvPr id="4" name="Marcador de pie de página 3">
             <a:extLst>
               <a:ext uri="{FF2B5EF4-FFF2-40B4-BE49-F238E27FC236}">
-                <a16:creationId xmlns:a16="http://schemas.microsoft.com/office/drawing/2014/main" id="{DD3DA019-28BD-4B9A-88E5-CCE5187F8416}"/>
+                <a16:creationId xmlns:a16="http://schemas.microsoft.com/office/drawing/2014/main" xmlns="" id="{DD3DA019-28BD-4B9A-88E5-CCE5187F8416}"/>
               </a:ext>
             </a:extLst>
           </p:cNvPr>
@@ -2009,7 +2010,7 @@
           <p:cNvPr id="5" name="Marcador de número de diapositiva 4">
             <a:extLst>
               <a:ext uri="{FF2B5EF4-FFF2-40B4-BE49-F238E27FC236}">
-                <a16:creationId xmlns:a16="http://schemas.microsoft.com/office/drawing/2014/main" id="{867C7F4C-E648-4575-881A-219A13AAF894}"/>
+                <a16:creationId xmlns:a16="http://schemas.microsoft.com/office/drawing/2014/main" xmlns="" id="{867C7F4C-E648-4575-881A-219A13AAF894}"/>
               </a:ext>
             </a:extLst>
           </p:cNvPr>
@@ -2068,7 +2069,7 @@
           <p:cNvPr id="2" name="Marcador de fecha 1">
             <a:extLst>
               <a:ext uri="{FF2B5EF4-FFF2-40B4-BE49-F238E27FC236}">
-                <a16:creationId xmlns:a16="http://schemas.microsoft.com/office/drawing/2014/main" id="{48456BF6-93D9-44C6-9D51-CF2F65A56185}"/>
+                <a16:creationId xmlns:a16="http://schemas.microsoft.com/office/drawing/2014/main" xmlns="" id="{48456BF6-93D9-44C6-9D51-CF2F65A56185}"/>
               </a:ext>
             </a:extLst>
           </p:cNvPr>
@@ -2086,7 +2087,7 @@
           <a:p>
             <a:fld id="{59479DF8-B0D2-410D-BE61-5137DF0C497D}" type="datetimeFigureOut">
               <a:rPr lang="es-PE" smtClean="0"/>
-              <a:t>21/10/2022</a:t>
+              <a:t>27/10/2022</a:t>
             </a:fld>
             <a:endParaRPr lang="es-PE"/>
           </a:p>
@@ -2097,7 +2098,7 @@
           <p:cNvPr id="3" name="Marcador de pie de página 2">
             <a:extLst>
               <a:ext uri="{FF2B5EF4-FFF2-40B4-BE49-F238E27FC236}">
-                <a16:creationId xmlns:a16="http://schemas.microsoft.com/office/drawing/2014/main" id="{96D9F768-A876-48BF-BE8E-172E1F7071D1}"/>
+                <a16:creationId xmlns:a16="http://schemas.microsoft.com/office/drawing/2014/main" xmlns="" id="{96D9F768-A876-48BF-BE8E-172E1F7071D1}"/>
               </a:ext>
             </a:extLst>
           </p:cNvPr>
@@ -2122,7 +2123,7 @@
           <p:cNvPr id="4" name="Marcador de número de diapositiva 3">
             <a:extLst>
               <a:ext uri="{FF2B5EF4-FFF2-40B4-BE49-F238E27FC236}">
-                <a16:creationId xmlns:a16="http://schemas.microsoft.com/office/drawing/2014/main" id="{6CEC31B0-6FD1-46C9-8C33-880EDB7BF815}"/>
+                <a16:creationId xmlns:a16="http://schemas.microsoft.com/office/drawing/2014/main" xmlns="" id="{6CEC31B0-6FD1-46C9-8C33-880EDB7BF815}"/>
               </a:ext>
             </a:extLst>
           </p:cNvPr>
@@ -2181,7 +2182,7 @@
           <p:cNvPr id="2" name="Título 1">
             <a:extLst>
               <a:ext uri="{FF2B5EF4-FFF2-40B4-BE49-F238E27FC236}">
-                <a16:creationId xmlns:a16="http://schemas.microsoft.com/office/drawing/2014/main" id="{34D75F69-14A4-4B40-8CB5-7F9ABC307DA7}"/>
+                <a16:creationId xmlns:a16="http://schemas.microsoft.com/office/drawing/2014/main" xmlns="" id="{34D75F69-14A4-4B40-8CB5-7F9ABC307DA7}"/>
               </a:ext>
             </a:extLst>
           </p:cNvPr>
@@ -2219,7 +2220,7 @@
           <p:cNvPr id="3" name="Marcador de contenido 2">
             <a:extLst>
               <a:ext uri="{FF2B5EF4-FFF2-40B4-BE49-F238E27FC236}">
-                <a16:creationId xmlns:a16="http://schemas.microsoft.com/office/drawing/2014/main" id="{52286C8C-8B98-47D6-A92D-F91223454EE4}"/>
+                <a16:creationId xmlns:a16="http://schemas.microsoft.com/office/drawing/2014/main" xmlns="" id="{52286C8C-8B98-47D6-A92D-F91223454EE4}"/>
               </a:ext>
             </a:extLst>
           </p:cNvPr>
@@ -2310,7 +2311,7 @@
           <p:cNvPr id="4" name="Marcador de texto 3">
             <a:extLst>
               <a:ext uri="{FF2B5EF4-FFF2-40B4-BE49-F238E27FC236}">
-                <a16:creationId xmlns:a16="http://schemas.microsoft.com/office/drawing/2014/main" id="{3E9C2CA5-9E26-47DD-A428-03657032B34C}"/>
+                <a16:creationId xmlns:a16="http://schemas.microsoft.com/office/drawing/2014/main" xmlns="" id="{3E9C2CA5-9E26-47DD-A428-03657032B34C}"/>
               </a:ext>
             </a:extLst>
           </p:cNvPr>
@@ -2381,7 +2382,7 @@
           <p:cNvPr id="5" name="Marcador de fecha 4">
             <a:extLst>
               <a:ext uri="{FF2B5EF4-FFF2-40B4-BE49-F238E27FC236}">
-                <a16:creationId xmlns:a16="http://schemas.microsoft.com/office/drawing/2014/main" id="{6F77166F-A279-4A3B-B100-F841AA3F695E}"/>
+                <a16:creationId xmlns:a16="http://schemas.microsoft.com/office/drawing/2014/main" xmlns="" id="{6F77166F-A279-4A3B-B100-F841AA3F695E}"/>
               </a:ext>
             </a:extLst>
           </p:cNvPr>
@@ -2399,7 +2400,7 @@
           <a:p>
             <a:fld id="{59479DF8-B0D2-410D-BE61-5137DF0C497D}" type="datetimeFigureOut">
               <a:rPr lang="es-PE" smtClean="0"/>
-              <a:t>21/10/2022</a:t>
+              <a:t>27/10/2022</a:t>
             </a:fld>
             <a:endParaRPr lang="es-PE"/>
           </a:p>
@@ -2410,7 +2411,7 @@
           <p:cNvPr id="6" name="Marcador de pie de página 5">
             <a:extLst>
               <a:ext uri="{FF2B5EF4-FFF2-40B4-BE49-F238E27FC236}">
-                <a16:creationId xmlns:a16="http://schemas.microsoft.com/office/drawing/2014/main" id="{210DAF45-B766-4A26-9D86-54A40073950F}"/>
+                <a16:creationId xmlns:a16="http://schemas.microsoft.com/office/drawing/2014/main" xmlns="" id="{210DAF45-B766-4A26-9D86-54A40073950F}"/>
               </a:ext>
             </a:extLst>
           </p:cNvPr>
@@ -2435,7 +2436,7 @@
           <p:cNvPr id="7" name="Marcador de número de diapositiva 6">
             <a:extLst>
               <a:ext uri="{FF2B5EF4-FFF2-40B4-BE49-F238E27FC236}">
-                <a16:creationId xmlns:a16="http://schemas.microsoft.com/office/drawing/2014/main" id="{87B9E095-5FAE-49D6-95B7-1E1C2CEBBBF3}"/>
+                <a16:creationId xmlns:a16="http://schemas.microsoft.com/office/drawing/2014/main" xmlns="" id="{87B9E095-5FAE-49D6-95B7-1E1C2CEBBBF3}"/>
               </a:ext>
             </a:extLst>
           </p:cNvPr>
@@ -2494,7 +2495,7 @@
           <p:cNvPr id="2" name="Título 1">
             <a:extLst>
               <a:ext uri="{FF2B5EF4-FFF2-40B4-BE49-F238E27FC236}">
-                <a16:creationId xmlns:a16="http://schemas.microsoft.com/office/drawing/2014/main" id="{E0629C7E-2002-4D81-B4F2-DE0A171513C1}"/>
+                <a16:creationId xmlns:a16="http://schemas.microsoft.com/office/drawing/2014/main" xmlns="" id="{E0629C7E-2002-4D81-B4F2-DE0A171513C1}"/>
               </a:ext>
             </a:extLst>
           </p:cNvPr>
@@ -2532,7 +2533,7 @@
           <p:cNvPr id="3" name="Marcador de posición de imagen 2">
             <a:extLst>
               <a:ext uri="{FF2B5EF4-FFF2-40B4-BE49-F238E27FC236}">
-                <a16:creationId xmlns:a16="http://schemas.microsoft.com/office/drawing/2014/main" id="{631A1908-56D2-43D7-9EC3-E77C7927F27D}"/>
+                <a16:creationId xmlns:a16="http://schemas.microsoft.com/office/drawing/2014/main" xmlns="" id="{631A1908-56D2-43D7-9EC3-E77C7927F27D}"/>
               </a:ext>
             </a:extLst>
           </p:cNvPr>
@@ -2599,7 +2600,7 @@
           <p:cNvPr id="4" name="Marcador de texto 3">
             <a:extLst>
               <a:ext uri="{FF2B5EF4-FFF2-40B4-BE49-F238E27FC236}">
-                <a16:creationId xmlns:a16="http://schemas.microsoft.com/office/drawing/2014/main" id="{56C8E9FD-A013-442B-BCCB-AD1689F59609}"/>
+                <a16:creationId xmlns:a16="http://schemas.microsoft.com/office/drawing/2014/main" xmlns="" id="{56C8E9FD-A013-442B-BCCB-AD1689F59609}"/>
               </a:ext>
             </a:extLst>
           </p:cNvPr>
@@ -2670,7 +2671,7 @@
           <p:cNvPr id="5" name="Marcador de fecha 4">
             <a:extLst>
               <a:ext uri="{FF2B5EF4-FFF2-40B4-BE49-F238E27FC236}">
-                <a16:creationId xmlns:a16="http://schemas.microsoft.com/office/drawing/2014/main" id="{D2B0D010-2493-42A7-95F9-B263EB74C9CA}"/>
+                <a16:creationId xmlns:a16="http://schemas.microsoft.com/office/drawing/2014/main" xmlns="" id="{D2B0D010-2493-42A7-95F9-B263EB74C9CA}"/>
               </a:ext>
             </a:extLst>
           </p:cNvPr>
@@ -2688,7 +2689,7 @@
           <a:p>
             <a:fld id="{59479DF8-B0D2-410D-BE61-5137DF0C497D}" type="datetimeFigureOut">
               <a:rPr lang="es-PE" smtClean="0"/>
-              <a:t>21/10/2022</a:t>
+              <a:t>27/10/2022</a:t>
             </a:fld>
             <a:endParaRPr lang="es-PE"/>
           </a:p>
@@ -2699,7 +2700,7 @@
           <p:cNvPr id="6" name="Marcador de pie de página 5">
             <a:extLst>
               <a:ext uri="{FF2B5EF4-FFF2-40B4-BE49-F238E27FC236}">
-                <a16:creationId xmlns:a16="http://schemas.microsoft.com/office/drawing/2014/main" id="{C0223F2A-A55F-4966-B41C-BD173E7778F9}"/>
+                <a16:creationId xmlns:a16="http://schemas.microsoft.com/office/drawing/2014/main" xmlns="" id="{C0223F2A-A55F-4966-B41C-BD173E7778F9}"/>
               </a:ext>
             </a:extLst>
           </p:cNvPr>
@@ -2724,7 +2725,7 @@
           <p:cNvPr id="7" name="Marcador de número de diapositiva 6">
             <a:extLst>
               <a:ext uri="{FF2B5EF4-FFF2-40B4-BE49-F238E27FC236}">
-                <a16:creationId xmlns:a16="http://schemas.microsoft.com/office/drawing/2014/main" id="{67C4A352-721E-410A-94BA-0EF87940BFBD}"/>
+                <a16:creationId xmlns:a16="http://schemas.microsoft.com/office/drawing/2014/main" xmlns="" id="{67C4A352-721E-410A-94BA-0EF87940BFBD}"/>
               </a:ext>
             </a:extLst>
           </p:cNvPr>
@@ -2788,7 +2789,7 @@
           <p:cNvPr id="2" name="Marcador de título 1">
             <a:extLst>
               <a:ext uri="{FF2B5EF4-FFF2-40B4-BE49-F238E27FC236}">
-                <a16:creationId xmlns:a16="http://schemas.microsoft.com/office/drawing/2014/main" id="{B8E7A4BB-C2E2-4D03-A718-67C56C0BC7A0}"/>
+                <a16:creationId xmlns:a16="http://schemas.microsoft.com/office/drawing/2014/main" xmlns="" id="{B8E7A4BB-C2E2-4D03-A718-67C56C0BC7A0}"/>
               </a:ext>
             </a:extLst>
           </p:cNvPr>
@@ -2827,7 +2828,7 @@
           <p:cNvPr id="3" name="Marcador de texto 2">
             <a:extLst>
               <a:ext uri="{FF2B5EF4-FFF2-40B4-BE49-F238E27FC236}">
-                <a16:creationId xmlns:a16="http://schemas.microsoft.com/office/drawing/2014/main" id="{411E54BA-037F-426A-95D5-A2394C969E26}"/>
+                <a16:creationId xmlns:a16="http://schemas.microsoft.com/office/drawing/2014/main" xmlns="" id="{411E54BA-037F-426A-95D5-A2394C969E26}"/>
               </a:ext>
             </a:extLst>
           </p:cNvPr>
@@ -2895,7 +2896,7 @@
           <p:cNvPr id="4" name="Marcador de fecha 3">
             <a:extLst>
               <a:ext uri="{FF2B5EF4-FFF2-40B4-BE49-F238E27FC236}">
-                <a16:creationId xmlns:a16="http://schemas.microsoft.com/office/drawing/2014/main" id="{EE0DF04C-38FA-41D6-BEAC-EB208BADC19C}"/>
+                <a16:creationId xmlns:a16="http://schemas.microsoft.com/office/drawing/2014/main" xmlns="" id="{EE0DF04C-38FA-41D6-BEAC-EB208BADC19C}"/>
               </a:ext>
             </a:extLst>
           </p:cNvPr>
@@ -2931,7 +2932,7 @@
           <a:p>
             <a:fld id="{59479DF8-B0D2-410D-BE61-5137DF0C497D}" type="datetimeFigureOut">
               <a:rPr lang="es-PE" smtClean="0"/>
-              <a:t>21/10/2022</a:t>
+              <a:t>27/10/2022</a:t>
             </a:fld>
             <a:endParaRPr lang="es-PE"/>
           </a:p>
@@ -2942,7 +2943,7 @@
           <p:cNvPr id="5" name="Marcador de pie de página 4">
             <a:extLst>
               <a:ext uri="{FF2B5EF4-FFF2-40B4-BE49-F238E27FC236}">
-                <a16:creationId xmlns:a16="http://schemas.microsoft.com/office/drawing/2014/main" id="{18225D40-FAE6-482A-B8EB-BF9758615243}"/>
+                <a16:creationId xmlns:a16="http://schemas.microsoft.com/office/drawing/2014/main" xmlns="" id="{18225D40-FAE6-482A-B8EB-BF9758615243}"/>
               </a:ext>
             </a:extLst>
           </p:cNvPr>
@@ -2985,7 +2986,7 @@
           <p:cNvPr id="6" name="Marcador de número de diapositiva 5">
             <a:extLst>
               <a:ext uri="{FF2B5EF4-FFF2-40B4-BE49-F238E27FC236}">
-                <a16:creationId xmlns:a16="http://schemas.microsoft.com/office/drawing/2014/main" id="{08C1F73C-ACD1-42C6-BB73-0FEF6A1ED59D}"/>
+                <a16:creationId xmlns:a16="http://schemas.microsoft.com/office/drawing/2014/main" xmlns="" id="{08C1F73C-ACD1-42C6-BB73-0FEF6A1ED59D}"/>
               </a:ext>
             </a:extLst>
           </p:cNvPr>
@@ -3364,7 +3365,7 @@
           <p:cNvPr id="4" name="Rectángulo 3">
             <a:extLst>
               <a:ext uri="{FF2B5EF4-FFF2-40B4-BE49-F238E27FC236}">
-                <a16:creationId xmlns:a16="http://schemas.microsoft.com/office/drawing/2014/main" id="{BFF0040E-4244-465E-94E7-8D6B7FC7AE4D}"/>
+                <a16:creationId xmlns:a16="http://schemas.microsoft.com/office/drawing/2014/main" xmlns="" id="{BFF0040E-4244-465E-94E7-8D6B7FC7AE4D}"/>
               </a:ext>
             </a:extLst>
           </p:cNvPr>
@@ -3419,7 +3420,7 @@
           <p:cNvPr id="5" name="CuadroTexto 4">
             <a:extLst>
               <a:ext uri="{FF2B5EF4-FFF2-40B4-BE49-F238E27FC236}">
-                <a16:creationId xmlns:a16="http://schemas.microsoft.com/office/drawing/2014/main" id="{9AB3938E-BF97-42E8-9BD3-90BFC96C85F6}"/>
+                <a16:creationId xmlns:a16="http://schemas.microsoft.com/office/drawing/2014/main" xmlns="" id="{9AB3938E-BF97-42E8-9BD3-90BFC96C85F6}"/>
               </a:ext>
             </a:extLst>
           </p:cNvPr>
@@ -3469,7 +3470,7 @@
           <p:cNvPr id="6" name="CuadroTexto 5">
             <a:extLst>
               <a:ext uri="{FF2B5EF4-FFF2-40B4-BE49-F238E27FC236}">
-                <a16:creationId xmlns:a16="http://schemas.microsoft.com/office/drawing/2014/main" id="{DBDE8564-D6DD-4BE5-8B14-47B2305007B0}"/>
+                <a16:creationId xmlns:a16="http://schemas.microsoft.com/office/drawing/2014/main" xmlns="" id="{DBDE8564-D6DD-4BE5-8B14-47B2305007B0}"/>
               </a:ext>
             </a:extLst>
           </p:cNvPr>
@@ -3506,7 +3507,7 @@
           <p:cNvPr id="7" name="CuadroTexto 6">
             <a:extLst>
               <a:ext uri="{FF2B5EF4-FFF2-40B4-BE49-F238E27FC236}">
-                <a16:creationId xmlns:a16="http://schemas.microsoft.com/office/drawing/2014/main" id="{231AF367-1616-4B80-8151-48696B4A3020}"/>
+                <a16:creationId xmlns:a16="http://schemas.microsoft.com/office/drawing/2014/main" xmlns="" id="{231AF367-1616-4B80-8151-48696B4A3020}"/>
               </a:ext>
             </a:extLst>
           </p:cNvPr>
@@ -3556,7 +3557,7 @@
           <p:cNvPr id="8" name="CuadroTexto 7">
             <a:extLst>
               <a:ext uri="{FF2B5EF4-FFF2-40B4-BE49-F238E27FC236}">
-                <a16:creationId xmlns:a16="http://schemas.microsoft.com/office/drawing/2014/main" id="{5DEA0BE2-2E87-4043-B620-6C7004D016DB}"/>
+                <a16:creationId xmlns:a16="http://schemas.microsoft.com/office/drawing/2014/main" xmlns="" id="{5DEA0BE2-2E87-4043-B620-6C7004D016DB}"/>
               </a:ext>
             </a:extLst>
           </p:cNvPr>
@@ -3593,7 +3594,7 @@
           <p:cNvPr id="1026" name="Picture 2" descr="Usuario (informática) - Wikipedia, la enciclopedia libre">
             <a:extLst>
               <a:ext uri="{FF2B5EF4-FFF2-40B4-BE49-F238E27FC236}">
-                <a16:creationId xmlns:a16="http://schemas.microsoft.com/office/drawing/2014/main" id="{B91B2FB6-CFB0-4B14-8A86-C18C05F5DD71}"/>
+                <a16:creationId xmlns:a16="http://schemas.microsoft.com/office/drawing/2014/main" xmlns="" id="{B91B2FB6-CFB0-4B14-8A86-C18C05F5DD71}"/>
               </a:ext>
             </a:extLst>
           </p:cNvPr>
@@ -3603,7 +3604,7 @@
           <p:nvPr/>
         </p:nvPicPr>
         <p:blipFill>
-          <a:blip r:embed="rId2">
+          <a:blip r:embed="rId2" cstate="print">
             <a:extLst>
               <a:ext uri="{28A0092B-C50C-407E-A947-70E740481C1C}">
                 <a14:useLocalDpi xmlns:a14="http://schemas.microsoft.com/office/drawing/2010/main" val="0"/>
@@ -3640,7 +3641,7 @@
           <p:cNvPr id="10" name="Grupo 9">
             <a:extLst>
               <a:ext uri="{FF2B5EF4-FFF2-40B4-BE49-F238E27FC236}">
-                <a16:creationId xmlns:a16="http://schemas.microsoft.com/office/drawing/2014/main" id="{B0B076E1-4EE5-4740-B9F4-0630270BF7F3}"/>
+                <a16:creationId xmlns:a16="http://schemas.microsoft.com/office/drawing/2014/main" xmlns="" id="{B0B076E1-4EE5-4740-B9F4-0630270BF7F3}"/>
               </a:ext>
             </a:extLst>
           </p:cNvPr>
@@ -3660,7 +3661,7 @@
             <p:cNvPr id="9" name="Rectángulo: esquinas redondeadas 8">
               <a:extLst>
                 <a:ext uri="{FF2B5EF4-FFF2-40B4-BE49-F238E27FC236}">
-                  <a16:creationId xmlns:a16="http://schemas.microsoft.com/office/drawing/2014/main" id="{F0ADFD40-44B4-4A74-87A1-799FD7BA5C24}"/>
+                  <a16:creationId xmlns:a16="http://schemas.microsoft.com/office/drawing/2014/main" xmlns="" id="{F0ADFD40-44B4-4A74-87A1-799FD7BA5C24}"/>
                 </a:ext>
               </a:extLst>
             </p:cNvPr>
@@ -3710,7 +3711,7 @@
             <p:cNvPr id="12" name="Rectángulo: esquinas redondeadas 11">
               <a:extLst>
                 <a:ext uri="{FF2B5EF4-FFF2-40B4-BE49-F238E27FC236}">
-                  <a16:creationId xmlns:a16="http://schemas.microsoft.com/office/drawing/2014/main" id="{231FEC77-5F70-49F0-86BC-F1C50F667B43}"/>
+                  <a16:creationId xmlns:a16="http://schemas.microsoft.com/office/drawing/2014/main" xmlns="" id="{231FEC77-5F70-49F0-86BC-F1C50F667B43}"/>
                 </a:ext>
               </a:extLst>
             </p:cNvPr>
@@ -3808,7 +3809,7 @@
           <p:cNvPr id="4" name="Rectángulo 3">
             <a:extLst>
               <a:ext uri="{FF2B5EF4-FFF2-40B4-BE49-F238E27FC236}">
-                <a16:creationId xmlns:a16="http://schemas.microsoft.com/office/drawing/2014/main" id="{BFF0040E-4244-465E-94E7-8D6B7FC7AE4D}"/>
+                <a16:creationId xmlns:a16="http://schemas.microsoft.com/office/drawing/2014/main" xmlns="" id="{BFF0040E-4244-465E-94E7-8D6B7FC7AE4D}"/>
               </a:ext>
             </a:extLst>
           </p:cNvPr>
@@ -3863,7 +3864,7 @@
           <p:cNvPr id="5" name="CuadroTexto 4">
             <a:extLst>
               <a:ext uri="{FF2B5EF4-FFF2-40B4-BE49-F238E27FC236}">
-                <a16:creationId xmlns:a16="http://schemas.microsoft.com/office/drawing/2014/main" id="{9AB3938E-BF97-42E8-9BD3-90BFC96C85F6}"/>
+                <a16:creationId xmlns:a16="http://schemas.microsoft.com/office/drawing/2014/main" xmlns="" id="{9AB3938E-BF97-42E8-9BD3-90BFC96C85F6}"/>
               </a:ext>
             </a:extLst>
           </p:cNvPr>
@@ -3913,7 +3914,7 @@
           <p:cNvPr id="7" name="CuadroTexto 6">
             <a:extLst>
               <a:ext uri="{FF2B5EF4-FFF2-40B4-BE49-F238E27FC236}">
-                <a16:creationId xmlns:a16="http://schemas.microsoft.com/office/drawing/2014/main" id="{231AF367-1616-4B80-8151-48696B4A3020}"/>
+                <a16:creationId xmlns:a16="http://schemas.microsoft.com/office/drawing/2014/main" xmlns="" id="{231AF367-1616-4B80-8151-48696B4A3020}"/>
               </a:ext>
             </a:extLst>
           </p:cNvPr>
@@ -3963,7 +3964,7 @@
           <p:cNvPr id="10" name="Grupo 9">
             <a:extLst>
               <a:ext uri="{FF2B5EF4-FFF2-40B4-BE49-F238E27FC236}">
-                <a16:creationId xmlns:a16="http://schemas.microsoft.com/office/drawing/2014/main" id="{B0B076E1-4EE5-4740-B9F4-0630270BF7F3}"/>
+                <a16:creationId xmlns:a16="http://schemas.microsoft.com/office/drawing/2014/main" xmlns="" id="{B0B076E1-4EE5-4740-B9F4-0630270BF7F3}"/>
               </a:ext>
             </a:extLst>
           </p:cNvPr>
@@ -3983,7 +3984,7 @@
             <p:cNvPr id="9" name="Rectángulo: esquinas redondeadas 8">
               <a:extLst>
                 <a:ext uri="{FF2B5EF4-FFF2-40B4-BE49-F238E27FC236}">
-                  <a16:creationId xmlns:a16="http://schemas.microsoft.com/office/drawing/2014/main" id="{F0ADFD40-44B4-4A74-87A1-799FD7BA5C24}"/>
+                  <a16:creationId xmlns:a16="http://schemas.microsoft.com/office/drawing/2014/main" xmlns="" id="{F0ADFD40-44B4-4A74-87A1-799FD7BA5C24}"/>
                 </a:ext>
               </a:extLst>
             </p:cNvPr>
@@ -4033,7 +4034,7 @@
             <p:cNvPr id="12" name="Rectángulo: esquinas redondeadas 11">
               <a:extLst>
                 <a:ext uri="{FF2B5EF4-FFF2-40B4-BE49-F238E27FC236}">
-                  <a16:creationId xmlns:a16="http://schemas.microsoft.com/office/drawing/2014/main" id="{231FEC77-5F70-49F0-86BC-F1C50F667B43}"/>
+                  <a16:creationId xmlns:a16="http://schemas.microsoft.com/office/drawing/2014/main" xmlns="" id="{231FEC77-5F70-49F0-86BC-F1C50F667B43}"/>
                 </a:ext>
               </a:extLst>
             </p:cNvPr>
@@ -4090,7 +4091,7 @@
           <p:cNvPr id="2" name="CuadroTexto 1">
             <a:extLst>
               <a:ext uri="{FF2B5EF4-FFF2-40B4-BE49-F238E27FC236}">
-                <a16:creationId xmlns:a16="http://schemas.microsoft.com/office/drawing/2014/main" id="{F085BD87-2F55-BA8E-497E-313B35999274}"/>
+                <a16:creationId xmlns:a16="http://schemas.microsoft.com/office/drawing/2014/main" xmlns="" id="{F085BD87-2F55-BA8E-497E-313B35999274}"/>
               </a:ext>
             </a:extLst>
           </p:cNvPr>
@@ -4140,7 +4141,7 @@
           <p:cNvPr id="14" name="Grupo 13">
             <a:extLst>
               <a:ext uri="{FF2B5EF4-FFF2-40B4-BE49-F238E27FC236}">
-                <a16:creationId xmlns:a16="http://schemas.microsoft.com/office/drawing/2014/main" id="{051E0FE6-A8CB-BC97-AFF1-78EDA32E25BB}"/>
+                <a16:creationId xmlns:a16="http://schemas.microsoft.com/office/drawing/2014/main" xmlns="" id="{051E0FE6-A8CB-BC97-AFF1-78EDA32E25BB}"/>
               </a:ext>
             </a:extLst>
           </p:cNvPr>
@@ -4160,7 +4161,7 @@
             <p:cNvPr id="6" name="CuadroTexto 5">
               <a:extLst>
                 <a:ext uri="{FF2B5EF4-FFF2-40B4-BE49-F238E27FC236}">
-                  <a16:creationId xmlns:a16="http://schemas.microsoft.com/office/drawing/2014/main" id="{DBDE8564-D6DD-4BE5-8B14-47B2305007B0}"/>
+                  <a16:creationId xmlns:a16="http://schemas.microsoft.com/office/drawing/2014/main" xmlns="" id="{DBDE8564-D6DD-4BE5-8B14-47B2305007B0}"/>
                 </a:ext>
               </a:extLst>
             </p:cNvPr>
@@ -4197,7 +4198,7 @@
             <p:cNvPr id="3" name="Flecha: hacia abajo 2">
               <a:extLst>
                 <a:ext uri="{FF2B5EF4-FFF2-40B4-BE49-F238E27FC236}">
-                  <a16:creationId xmlns:a16="http://schemas.microsoft.com/office/drawing/2014/main" id="{355D83BB-0BFC-AB4A-15E7-DCDA92177772}"/>
+                  <a16:creationId xmlns:a16="http://schemas.microsoft.com/office/drawing/2014/main" xmlns="" id="{355D83BB-0BFC-AB4A-15E7-DCDA92177772}"/>
                 </a:ext>
               </a:extLst>
             </p:cNvPr>
@@ -4244,7 +4245,7 @@
           <p:cNvPr id="15" name="Grupo 14">
             <a:extLst>
               <a:ext uri="{FF2B5EF4-FFF2-40B4-BE49-F238E27FC236}">
-                <a16:creationId xmlns:a16="http://schemas.microsoft.com/office/drawing/2014/main" id="{99774492-C94A-D3DE-F271-D74A6F64E855}"/>
+                <a16:creationId xmlns:a16="http://schemas.microsoft.com/office/drawing/2014/main" xmlns="" id="{99774492-C94A-D3DE-F271-D74A6F64E855}"/>
               </a:ext>
             </a:extLst>
           </p:cNvPr>
@@ -4264,7 +4265,7 @@
             <p:cNvPr id="16" name="CuadroTexto 15">
               <a:extLst>
                 <a:ext uri="{FF2B5EF4-FFF2-40B4-BE49-F238E27FC236}">
-                  <a16:creationId xmlns:a16="http://schemas.microsoft.com/office/drawing/2014/main" id="{DC3DE8DA-18E9-5BAA-561F-80989FD10132}"/>
+                  <a16:creationId xmlns:a16="http://schemas.microsoft.com/office/drawing/2014/main" xmlns="" id="{DC3DE8DA-18E9-5BAA-561F-80989FD10132}"/>
                 </a:ext>
               </a:extLst>
             </p:cNvPr>
@@ -4301,7 +4302,7 @@
             <p:cNvPr id="17" name="Flecha: hacia abajo 16">
               <a:extLst>
                 <a:ext uri="{FF2B5EF4-FFF2-40B4-BE49-F238E27FC236}">
-                  <a16:creationId xmlns:a16="http://schemas.microsoft.com/office/drawing/2014/main" id="{F2A1D8DF-7E15-DB50-C1B4-4AF533C402E6}"/>
+                  <a16:creationId xmlns:a16="http://schemas.microsoft.com/office/drawing/2014/main" xmlns="" id="{F2A1D8DF-7E15-DB50-C1B4-4AF533C402E6}"/>
                 </a:ext>
               </a:extLst>
             </p:cNvPr>
@@ -4348,7 +4349,7 @@
           <p:cNvPr id="19" name="CuadroTexto 18">
             <a:extLst>
               <a:ext uri="{FF2B5EF4-FFF2-40B4-BE49-F238E27FC236}">
-                <a16:creationId xmlns:a16="http://schemas.microsoft.com/office/drawing/2014/main" id="{1EE70A10-E8DB-367C-6159-53F1EFD09A47}"/>
+                <a16:creationId xmlns:a16="http://schemas.microsoft.com/office/drawing/2014/main" xmlns="" id="{1EE70A10-E8DB-367C-6159-53F1EFD09A47}"/>
               </a:ext>
             </a:extLst>
           </p:cNvPr>
@@ -4385,7 +4386,7 @@
           <p:cNvPr id="21" name="CuadroTexto 20">
             <a:extLst>
               <a:ext uri="{FF2B5EF4-FFF2-40B4-BE49-F238E27FC236}">
-                <a16:creationId xmlns:a16="http://schemas.microsoft.com/office/drawing/2014/main" id="{29CEDF8E-248F-E8F1-32D5-8FF2C2A209EC}"/>
+                <a16:creationId xmlns:a16="http://schemas.microsoft.com/office/drawing/2014/main" xmlns="" id="{29CEDF8E-248F-E8F1-32D5-8FF2C2A209EC}"/>
               </a:ext>
             </a:extLst>
           </p:cNvPr>
@@ -4435,7 +4436,7 @@
           <p:cNvPr id="22" name="CuadroTexto 21">
             <a:extLst>
               <a:ext uri="{FF2B5EF4-FFF2-40B4-BE49-F238E27FC236}">
-                <a16:creationId xmlns:a16="http://schemas.microsoft.com/office/drawing/2014/main" id="{1D4E9A6E-9333-19CA-2BF0-B5D8CECB8F99}"/>
+                <a16:creationId xmlns:a16="http://schemas.microsoft.com/office/drawing/2014/main" xmlns="" id="{1D4E9A6E-9333-19CA-2BF0-B5D8CECB8F99}"/>
               </a:ext>
             </a:extLst>
           </p:cNvPr>
@@ -4485,7 +4486,7 @@
           <p:cNvPr id="23" name="CuadroTexto 22">
             <a:extLst>
               <a:ext uri="{FF2B5EF4-FFF2-40B4-BE49-F238E27FC236}">
-                <a16:creationId xmlns:a16="http://schemas.microsoft.com/office/drawing/2014/main" id="{47E1AF49-7DF9-D52F-7853-E470C336B3E7}"/>
+                <a16:creationId xmlns:a16="http://schemas.microsoft.com/office/drawing/2014/main" xmlns="" id="{47E1AF49-7DF9-D52F-7853-E470C336B3E7}"/>
               </a:ext>
             </a:extLst>
           </p:cNvPr>
@@ -4535,7 +4536,7 @@
           <p:cNvPr id="25" name="CuadroTexto 24">
             <a:extLst>
               <a:ext uri="{FF2B5EF4-FFF2-40B4-BE49-F238E27FC236}">
-                <a16:creationId xmlns:a16="http://schemas.microsoft.com/office/drawing/2014/main" id="{74382D1B-1169-22D3-7FAF-D4B0CC07E00D}"/>
+                <a16:creationId xmlns:a16="http://schemas.microsoft.com/office/drawing/2014/main" xmlns="" id="{74382D1B-1169-22D3-7FAF-D4B0CC07E00D}"/>
               </a:ext>
             </a:extLst>
           </p:cNvPr>
@@ -4572,7 +4573,7 @@
           <p:cNvPr id="28" name="CuadroTexto 27">
             <a:extLst>
               <a:ext uri="{FF2B5EF4-FFF2-40B4-BE49-F238E27FC236}">
-                <a16:creationId xmlns:a16="http://schemas.microsoft.com/office/drawing/2014/main" id="{6D7A942E-02CC-DFD8-8BF6-CC7838EC0486}"/>
+                <a16:creationId xmlns:a16="http://schemas.microsoft.com/office/drawing/2014/main" xmlns="" id="{6D7A942E-02CC-DFD8-8BF6-CC7838EC0486}"/>
               </a:ext>
             </a:extLst>
           </p:cNvPr>
@@ -4609,7 +4610,7 @@
           <p:cNvPr id="30" name="CuadroTexto 29">
             <a:extLst>
               <a:ext uri="{FF2B5EF4-FFF2-40B4-BE49-F238E27FC236}">
-                <a16:creationId xmlns:a16="http://schemas.microsoft.com/office/drawing/2014/main" id="{D5BAE537-061A-F622-CBB4-17928CA302A9}"/>
+                <a16:creationId xmlns:a16="http://schemas.microsoft.com/office/drawing/2014/main" xmlns="" id="{D5BAE537-061A-F622-CBB4-17928CA302A9}"/>
               </a:ext>
             </a:extLst>
           </p:cNvPr>
@@ -4651,6 +4652,1213 @@
   <p:clrMapOvr>
     <a:masterClrMapping/>
   </p:clrMapOvr>
+  <p:timing>
+    <p:tnLst>
+      <p:par>
+        <p:cTn id="1" dur="indefinite" restart="never" nodeType="tmRoot"/>
+      </p:par>
+    </p:tnLst>
+  </p:timing>
+</p:sld>
+</file>
+
+<file path=ppt/slides/slide3.xml><?xml version="1.0" encoding="utf-8"?>
+<p:sld xmlns:a="http://schemas.openxmlformats.org/drawingml/2006/main" xmlns:r="http://schemas.openxmlformats.org/officeDocument/2006/relationships" xmlns:p="http://schemas.openxmlformats.org/presentationml/2006/main">
+  <p:cSld>
+    <p:spTree>
+      <p:nvGrpSpPr>
+        <p:cNvPr id="1" name=""/>
+        <p:cNvGrpSpPr/>
+        <p:nvPr/>
+      </p:nvGrpSpPr>
+      <p:grpSpPr>
+        <a:xfrm>
+          <a:off x="0" y="0"/>
+          <a:ext cx="0" cy="0"/>
+          <a:chOff x="0" y="0"/>
+          <a:chExt cx="0" cy="0"/>
+        </a:xfrm>
+      </p:grpSpPr>
+      <p:sp>
+        <p:nvSpPr>
+          <p:cNvPr id="4" name="Rectángulo 3">
+            <a:extLst>
+              <a:ext uri="{FF2B5EF4-FFF2-40B4-BE49-F238E27FC236}">
+                <a16:creationId xmlns:a16="http://schemas.microsoft.com/office/drawing/2014/main" xmlns="" id="{BFF0040E-4244-465E-94E7-8D6B7FC7AE4D}"/>
+              </a:ext>
+            </a:extLst>
+          </p:cNvPr>
+          <p:cNvSpPr/>
+          <p:nvPr/>
+        </p:nvSpPr>
+        <p:spPr>
+          <a:xfrm>
+            <a:off x="0" y="0"/>
+            <a:ext cx="12192000" cy="690113"/>
+          </a:xfrm>
+          <a:prstGeom prst="rect">
+            <a:avLst/>
+          </a:prstGeom>
+        </p:spPr>
+        <p:style>
+          <a:lnRef idx="2">
+            <a:schemeClr val="accent1">
+              <a:shade val="50000"/>
+            </a:schemeClr>
+          </a:lnRef>
+          <a:fillRef idx="1">
+            <a:schemeClr val="accent1"/>
+          </a:fillRef>
+          <a:effectRef idx="0">
+            <a:schemeClr val="accent1"/>
+          </a:effectRef>
+          <a:fontRef idx="minor">
+            <a:schemeClr val="lt1"/>
+          </a:fontRef>
+        </p:style>
+        <p:txBody>
+          <a:bodyPr lIns="288000" rtlCol="0" anchor="ctr"/>
+          <a:lstStyle/>
+          <a:p>
+            <a:r>
+              <a:rPr lang="es-MX" sz="3200" b="1" dirty="0" smtClean="0">
+                <a:latin typeface="Arial" panose="020B0604020202020204" pitchFamily="34" charset="0"/>
+                <a:cs typeface="Arial" panose="020B0604020202020204" pitchFamily="34" charset="0"/>
+              </a:rPr>
+              <a:t>PROGRAMAR</a:t>
+            </a:r>
+            <a:r>
+              <a:rPr lang="es-MX" sz="3200" b="1" dirty="0" smtClean="0">
+                <a:latin typeface="Arial" panose="020B0604020202020204" pitchFamily="34" charset="0"/>
+                <a:cs typeface="Arial" panose="020B0604020202020204" pitchFamily="34" charset="0"/>
+              </a:rPr>
+              <a:t> </a:t>
+            </a:r>
+            <a:r>
+              <a:rPr lang="es-MX" sz="3200" b="1" dirty="0">
+                <a:latin typeface="Arial" panose="020B0604020202020204" pitchFamily="34" charset="0"/>
+                <a:cs typeface="Arial" panose="020B0604020202020204" pitchFamily="34" charset="0"/>
+              </a:rPr>
+              <a:t>RUTA</a:t>
+            </a:r>
+            <a:endParaRPr lang="es-PE" sz="3200" b="1" dirty="0">
+              <a:latin typeface="Arial" panose="020B0604020202020204" pitchFamily="34" charset="0"/>
+              <a:cs typeface="Arial" panose="020B0604020202020204" pitchFamily="34" charset="0"/>
+            </a:endParaRPr>
+          </a:p>
+        </p:txBody>
+      </p:sp>
+      <p:sp>
+        <p:nvSpPr>
+          <p:cNvPr id="5" name="CuadroTexto 4">
+            <a:extLst>
+              <a:ext uri="{FF2B5EF4-FFF2-40B4-BE49-F238E27FC236}">
+                <a16:creationId xmlns:a16="http://schemas.microsoft.com/office/drawing/2014/main" xmlns="" id="{9AB3938E-BF97-42E8-9BD3-90BFC96C85F6}"/>
+              </a:ext>
+            </a:extLst>
+          </p:cNvPr>
+          <p:cNvSpPr txBox="1"/>
+          <p:nvPr/>
+        </p:nvSpPr>
+        <p:spPr>
+          <a:xfrm>
+            <a:off x="419093" y="1176314"/>
+            <a:ext cx="2699665" cy="523220"/>
+          </a:xfrm>
+          <a:prstGeom prst="rect">
+            <a:avLst/>
+          </a:prstGeom>
+          <a:noFill/>
+        </p:spPr>
+        <p:txBody>
+          <a:bodyPr wrap="square" rtlCol="0">
+            <a:spAutoFit/>
+          </a:bodyPr>
+          <a:lstStyle/>
+          <a:p>
+            <a:r>
+              <a:rPr lang="es-MX" sz="2800" dirty="0" smtClean="0">
+                <a:solidFill>
+                  <a:schemeClr val="tx1">
+                    <a:lumMod val="65000"/>
+                    <a:lumOff val="35000"/>
+                  </a:schemeClr>
+                </a:solidFill>
+              </a:rPr>
+              <a:t>Ciudad origen</a:t>
+            </a:r>
+            <a:endParaRPr lang="es-PE" sz="2800" dirty="0">
+              <a:solidFill>
+                <a:schemeClr val="tx1">
+                  <a:lumMod val="65000"/>
+                  <a:lumOff val="35000"/>
+                </a:schemeClr>
+              </a:solidFill>
+            </a:endParaRPr>
+          </a:p>
+        </p:txBody>
+      </p:sp>
+      <p:sp>
+        <p:nvSpPr>
+          <p:cNvPr id="7" name="CuadroTexto 6">
+            <a:extLst>
+              <a:ext uri="{FF2B5EF4-FFF2-40B4-BE49-F238E27FC236}">
+                <a16:creationId xmlns:a16="http://schemas.microsoft.com/office/drawing/2014/main" xmlns="" id="{231AF367-1616-4B80-8151-48696B4A3020}"/>
+              </a:ext>
+            </a:extLst>
+          </p:cNvPr>
+          <p:cNvSpPr txBox="1"/>
+          <p:nvPr/>
+        </p:nvSpPr>
+        <p:spPr>
+          <a:xfrm>
+            <a:off x="419092" y="2451435"/>
+            <a:ext cx="2699665" cy="523220"/>
+          </a:xfrm>
+          <a:prstGeom prst="rect">
+            <a:avLst/>
+          </a:prstGeom>
+          <a:noFill/>
+        </p:spPr>
+        <p:txBody>
+          <a:bodyPr wrap="square" rtlCol="0">
+            <a:spAutoFit/>
+          </a:bodyPr>
+          <a:lstStyle/>
+          <a:p>
+            <a:r>
+              <a:rPr lang="es-MX" sz="2800" dirty="0" smtClean="0">
+                <a:solidFill>
+                  <a:schemeClr val="tx1">
+                    <a:lumMod val="65000"/>
+                    <a:lumOff val="35000"/>
+                  </a:schemeClr>
+                </a:solidFill>
+              </a:rPr>
+              <a:t>Fecha salida</a:t>
+            </a:r>
+            <a:endParaRPr lang="es-PE" sz="2800" dirty="0">
+              <a:solidFill>
+                <a:schemeClr val="tx1">
+                  <a:lumMod val="65000"/>
+                  <a:lumOff val="35000"/>
+                </a:schemeClr>
+              </a:solidFill>
+            </a:endParaRPr>
+          </a:p>
+        </p:txBody>
+      </p:sp>
+      <p:grpSp>
+        <p:nvGrpSpPr>
+          <p:cNvPr id="10" name="Grupo 9">
+            <a:extLst>
+              <a:ext uri="{FF2B5EF4-FFF2-40B4-BE49-F238E27FC236}">
+                <a16:creationId xmlns:a16="http://schemas.microsoft.com/office/drawing/2014/main" xmlns="" id="{B0B076E1-4EE5-4740-B9F4-0630270BF7F3}"/>
+              </a:ext>
+            </a:extLst>
+          </p:cNvPr>
+          <p:cNvGrpSpPr/>
+          <p:nvPr/>
+        </p:nvGrpSpPr>
+        <p:grpSpPr>
+          <a:xfrm>
+            <a:off x="2022871" y="5057775"/>
+            <a:ext cx="8146258" cy="1276350"/>
+            <a:chOff x="2628899" y="5048250"/>
+            <a:chExt cx="8146258" cy="1276350"/>
+          </a:xfrm>
+        </p:grpSpPr>
+        <p:sp>
+          <p:nvSpPr>
+            <p:cNvPr id="9" name="Rectángulo: esquinas redondeadas 8">
+              <a:extLst>
+                <a:ext uri="{FF2B5EF4-FFF2-40B4-BE49-F238E27FC236}">
+                  <a16:creationId xmlns:a16="http://schemas.microsoft.com/office/drawing/2014/main" xmlns="" id="{F0ADFD40-44B4-4A74-87A1-799FD7BA5C24}"/>
+                </a:ext>
+              </a:extLst>
+            </p:cNvPr>
+            <p:cNvSpPr/>
+            <p:nvPr/>
+          </p:nvSpPr>
+          <p:spPr>
+            <a:xfrm>
+              <a:off x="2628899" y="5048250"/>
+              <a:ext cx="3876675" cy="1276350"/>
+            </a:xfrm>
+            <a:prstGeom prst="roundRect">
+              <a:avLst/>
+            </a:prstGeom>
+          </p:spPr>
+          <p:style>
+            <a:lnRef idx="2">
+              <a:schemeClr val="accent1">
+                <a:shade val="50000"/>
+              </a:schemeClr>
+            </a:lnRef>
+            <a:fillRef idx="1">
+              <a:schemeClr val="accent1"/>
+            </a:fillRef>
+            <a:effectRef idx="0">
+              <a:schemeClr val="accent1"/>
+            </a:effectRef>
+            <a:fontRef idx="minor">
+              <a:schemeClr val="lt1"/>
+            </a:fontRef>
+          </p:style>
+          <p:txBody>
+            <a:bodyPr rtlCol="0" anchor="ctr"/>
+            <a:lstStyle/>
+            <a:p>
+              <a:pPr algn="ctr"/>
+              <a:r>
+                <a:rPr lang="es-MX" sz="4400" b="1" dirty="0"/>
+                <a:t>Grabar</a:t>
+              </a:r>
+              <a:endParaRPr lang="es-PE" sz="4400" b="1" dirty="0"/>
+            </a:p>
+          </p:txBody>
+        </p:sp>
+        <p:sp>
+          <p:nvSpPr>
+            <p:cNvPr id="12" name="Rectángulo: esquinas redondeadas 11">
+              <a:extLst>
+                <a:ext uri="{FF2B5EF4-FFF2-40B4-BE49-F238E27FC236}">
+                  <a16:creationId xmlns:a16="http://schemas.microsoft.com/office/drawing/2014/main" xmlns="" id="{231FEC77-5F70-49F0-86BC-F1C50F667B43}"/>
+                </a:ext>
+              </a:extLst>
+            </p:cNvPr>
+            <p:cNvSpPr/>
+            <p:nvPr/>
+          </p:nvSpPr>
+          <p:spPr>
+            <a:xfrm>
+              <a:off x="6898482" y="5048250"/>
+              <a:ext cx="3876675" cy="1276350"/>
+            </a:xfrm>
+            <a:prstGeom prst="roundRect">
+              <a:avLst/>
+            </a:prstGeom>
+            <a:solidFill>
+              <a:schemeClr val="tx1">
+                <a:lumMod val="50000"/>
+                <a:lumOff val="50000"/>
+              </a:schemeClr>
+            </a:solidFill>
+          </p:spPr>
+          <p:style>
+            <a:lnRef idx="2">
+              <a:schemeClr val="accent1">
+                <a:shade val="50000"/>
+              </a:schemeClr>
+            </a:lnRef>
+            <a:fillRef idx="1">
+              <a:schemeClr val="accent1"/>
+            </a:fillRef>
+            <a:effectRef idx="0">
+              <a:schemeClr val="accent1"/>
+            </a:effectRef>
+            <a:fontRef idx="minor">
+              <a:schemeClr val="lt1"/>
+            </a:fontRef>
+          </p:style>
+          <p:txBody>
+            <a:bodyPr rtlCol="0" anchor="ctr"/>
+            <a:lstStyle/>
+            <a:p>
+              <a:pPr algn="ctr"/>
+              <a:r>
+                <a:rPr lang="es-MX" sz="4400" b="1" dirty="0"/>
+                <a:t>Salir</a:t>
+              </a:r>
+              <a:endParaRPr lang="es-PE" sz="4400" b="1" dirty="0"/>
+            </a:p>
+          </p:txBody>
+        </p:sp>
+      </p:grpSp>
+      <p:sp>
+        <p:nvSpPr>
+          <p:cNvPr id="2" name="CuadroTexto 1">
+            <a:extLst>
+              <a:ext uri="{FF2B5EF4-FFF2-40B4-BE49-F238E27FC236}">
+                <a16:creationId xmlns:a16="http://schemas.microsoft.com/office/drawing/2014/main" xmlns="" id="{F085BD87-2F55-BA8E-497E-313B35999274}"/>
+              </a:ext>
+            </a:extLst>
+          </p:cNvPr>
+          <p:cNvSpPr txBox="1"/>
+          <p:nvPr/>
+        </p:nvSpPr>
+        <p:spPr>
+          <a:xfrm>
+            <a:off x="419091" y="1795905"/>
+            <a:ext cx="2699665" cy="523220"/>
+          </a:xfrm>
+          <a:prstGeom prst="rect">
+            <a:avLst/>
+          </a:prstGeom>
+          <a:noFill/>
+        </p:spPr>
+        <p:txBody>
+          <a:bodyPr wrap="square" rtlCol="0">
+            <a:spAutoFit/>
+          </a:bodyPr>
+          <a:lstStyle/>
+          <a:p>
+            <a:r>
+              <a:rPr lang="es-MX" sz="2800" dirty="0" smtClean="0">
+                <a:solidFill>
+                  <a:schemeClr val="tx1">
+                    <a:lumMod val="65000"/>
+                    <a:lumOff val="35000"/>
+                  </a:schemeClr>
+                </a:solidFill>
+              </a:rPr>
+              <a:t>Ruta</a:t>
+            </a:r>
+            <a:endParaRPr lang="es-PE" sz="2800" dirty="0">
+              <a:solidFill>
+                <a:schemeClr val="tx1">
+                  <a:lumMod val="65000"/>
+                  <a:lumOff val="35000"/>
+                </a:schemeClr>
+              </a:solidFill>
+            </a:endParaRPr>
+          </a:p>
+        </p:txBody>
+      </p:sp>
+      <p:grpSp>
+        <p:nvGrpSpPr>
+          <p:cNvPr id="8" name="7 Grupo"/>
+          <p:cNvGrpSpPr/>
+          <p:nvPr/>
+        </p:nvGrpSpPr>
+        <p:grpSpPr>
+          <a:xfrm>
+            <a:off x="3200400" y="1176315"/>
+            <a:ext cx="8472613" cy="523220"/>
+            <a:chOff x="3216728" y="915067"/>
+            <a:chExt cx="8472613" cy="523220"/>
+          </a:xfrm>
+        </p:grpSpPr>
+        <p:sp>
+          <p:nvSpPr>
+            <p:cNvPr id="16" name="CuadroTexto 15">
+              <a:extLst>
+                <a:ext uri="{FF2B5EF4-FFF2-40B4-BE49-F238E27FC236}">
+                  <a16:creationId xmlns:a16="http://schemas.microsoft.com/office/drawing/2014/main" xmlns="" id="{DC3DE8DA-18E9-5BAA-561F-80989FD10132}"/>
+                </a:ext>
+              </a:extLst>
+            </p:cNvPr>
+            <p:cNvSpPr txBox="1"/>
+            <p:nvPr/>
+          </p:nvSpPr>
+          <p:spPr>
+            <a:xfrm>
+              <a:off x="3216728" y="915067"/>
+              <a:ext cx="8472613" cy="523220"/>
+            </a:xfrm>
+            <a:prstGeom prst="rect">
+              <a:avLst/>
+            </a:prstGeom>
+            <a:noFill/>
+            <a:ln>
+              <a:solidFill>
+                <a:schemeClr val="tx2"/>
+              </a:solidFill>
+            </a:ln>
+          </p:spPr>
+          <p:txBody>
+            <a:bodyPr wrap="square" rtlCol="0">
+              <a:spAutoFit/>
+            </a:bodyPr>
+            <a:lstStyle/>
+            <a:p>
+              <a:endParaRPr lang="es-PE" sz="3600" dirty="0"/>
+            </a:p>
+          </p:txBody>
+        </p:sp>
+        <p:sp>
+          <p:nvSpPr>
+            <p:cNvPr id="17" name="Flecha: hacia abajo 16">
+              <a:extLst>
+                <a:ext uri="{FF2B5EF4-FFF2-40B4-BE49-F238E27FC236}">
+                  <a16:creationId xmlns:a16="http://schemas.microsoft.com/office/drawing/2014/main" xmlns="" id="{F2A1D8DF-7E15-DB50-C1B4-4AF533C402E6}"/>
+                </a:ext>
+              </a:extLst>
+            </p:cNvPr>
+            <p:cNvSpPr/>
+            <p:nvPr/>
+          </p:nvSpPr>
+          <p:spPr>
+            <a:xfrm>
+              <a:off x="11072968" y="1058534"/>
+              <a:ext cx="484632" cy="236284"/>
+            </a:xfrm>
+            <a:prstGeom prst="downArrow">
+              <a:avLst/>
+            </a:prstGeom>
+          </p:spPr>
+          <p:style>
+            <a:lnRef idx="2">
+              <a:schemeClr val="accent1">
+                <a:shade val="50000"/>
+              </a:schemeClr>
+            </a:lnRef>
+            <a:fillRef idx="1">
+              <a:schemeClr val="accent1"/>
+            </a:fillRef>
+            <a:effectRef idx="0">
+              <a:schemeClr val="accent1"/>
+            </a:effectRef>
+            <a:fontRef idx="minor">
+              <a:schemeClr val="lt1"/>
+            </a:fontRef>
+          </p:style>
+          <p:txBody>
+            <a:bodyPr rtlCol="0" anchor="ctr"/>
+            <a:lstStyle/>
+            <a:p>
+              <a:pPr algn="ctr"/>
+              <a:endParaRPr lang="es-PE"/>
+            </a:p>
+          </p:txBody>
+        </p:sp>
+      </p:grpSp>
+      <p:sp>
+        <p:nvSpPr>
+          <p:cNvPr id="21" name="CuadroTexto 20">
+            <a:extLst>
+              <a:ext uri="{FF2B5EF4-FFF2-40B4-BE49-F238E27FC236}">
+                <a16:creationId xmlns:a16="http://schemas.microsoft.com/office/drawing/2014/main" xmlns="" id="{29CEDF8E-248F-E8F1-32D5-8FF2C2A209EC}"/>
+              </a:ext>
+            </a:extLst>
+          </p:cNvPr>
+          <p:cNvSpPr txBox="1"/>
+          <p:nvPr/>
+        </p:nvSpPr>
+        <p:spPr>
+          <a:xfrm>
+            <a:off x="7066628" y="2440128"/>
+            <a:ext cx="1759792" cy="523220"/>
+          </a:xfrm>
+          <a:prstGeom prst="rect">
+            <a:avLst/>
+          </a:prstGeom>
+          <a:noFill/>
+        </p:spPr>
+        <p:txBody>
+          <a:bodyPr wrap="square" rtlCol="0">
+            <a:spAutoFit/>
+          </a:bodyPr>
+          <a:lstStyle/>
+          <a:p>
+            <a:r>
+              <a:rPr lang="es-MX" sz="2800" dirty="0">
+                <a:solidFill>
+                  <a:schemeClr val="tx1">
+                    <a:lumMod val="65000"/>
+                    <a:lumOff val="35000"/>
+                  </a:schemeClr>
+                </a:solidFill>
+              </a:rPr>
+              <a:t>Precio 1</a:t>
+            </a:r>
+            <a:endParaRPr lang="es-PE" sz="2800" dirty="0">
+              <a:solidFill>
+                <a:schemeClr val="tx1">
+                  <a:lumMod val="65000"/>
+                  <a:lumOff val="35000"/>
+                </a:schemeClr>
+              </a:solidFill>
+            </a:endParaRPr>
+          </a:p>
+        </p:txBody>
+      </p:sp>
+      <p:sp>
+        <p:nvSpPr>
+          <p:cNvPr id="22" name="CuadroTexto 21">
+            <a:extLst>
+              <a:ext uri="{FF2B5EF4-FFF2-40B4-BE49-F238E27FC236}">
+                <a16:creationId xmlns:a16="http://schemas.microsoft.com/office/drawing/2014/main" xmlns="" id="{1D4E9A6E-9333-19CA-2BF0-B5D8CECB8F99}"/>
+              </a:ext>
+            </a:extLst>
+          </p:cNvPr>
+          <p:cNvSpPr txBox="1"/>
+          <p:nvPr/>
+        </p:nvSpPr>
+        <p:spPr>
+          <a:xfrm>
+            <a:off x="7066629" y="3811926"/>
+            <a:ext cx="1874092" cy="523220"/>
+          </a:xfrm>
+          <a:prstGeom prst="rect">
+            <a:avLst/>
+          </a:prstGeom>
+          <a:noFill/>
+        </p:spPr>
+        <p:txBody>
+          <a:bodyPr wrap="square" rtlCol="0">
+            <a:spAutoFit/>
+          </a:bodyPr>
+          <a:lstStyle/>
+          <a:p>
+            <a:r>
+              <a:rPr lang="es-MX" sz="2800" dirty="0">
+                <a:solidFill>
+                  <a:schemeClr val="tx1">
+                    <a:lumMod val="65000"/>
+                    <a:lumOff val="35000"/>
+                  </a:schemeClr>
+                </a:solidFill>
+              </a:rPr>
+              <a:t>Precio 3</a:t>
+            </a:r>
+            <a:endParaRPr lang="es-PE" sz="2800" dirty="0">
+              <a:solidFill>
+                <a:schemeClr val="tx1">
+                  <a:lumMod val="65000"/>
+                  <a:lumOff val="35000"/>
+                </a:schemeClr>
+              </a:solidFill>
+            </a:endParaRPr>
+          </a:p>
+        </p:txBody>
+      </p:sp>
+      <p:sp>
+        <p:nvSpPr>
+          <p:cNvPr id="23" name="CuadroTexto 22">
+            <a:extLst>
+              <a:ext uri="{FF2B5EF4-FFF2-40B4-BE49-F238E27FC236}">
+                <a16:creationId xmlns:a16="http://schemas.microsoft.com/office/drawing/2014/main" xmlns="" id="{47E1AF49-7DF9-D52F-7853-E470C336B3E7}"/>
+              </a:ext>
+            </a:extLst>
+          </p:cNvPr>
+          <p:cNvSpPr txBox="1"/>
+          <p:nvPr/>
+        </p:nvSpPr>
+        <p:spPr>
+          <a:xfrm>
+            <a:off x="7066628" y="3128162"/>
+            <a:ext cx="1874092" cy="523220"/>
+          </a:xfrm>
+          <a:prstGeom prst="rect">
+            <a:avLst/>
+          </a:prstGeom>
+          <a:noFill/>
+        </p:spPr>
+        <p:txBody>
+          <a:bodyPr wrap="square" rtlCol="0">
+            <a:spAutoFit/>
+          </a:bodyPr>
+          <a:lstStyle/>
+          <a:p>
+            <a:r>
+              <a:rPr lang="es-MX" sz="2800" dirty="0">
+                <a:solidFill>
+                  <a:schemeClr val="tx1">
+                    <a:lumMod val="65000"/>
+                    <a:lumOff val="35000"/>
+                  </a:schemeClr>
+                </a:solidFill>
+              </a:rPr>
+              <a:t>Precio 2</a:t>
+            </a:r>
+            <a:endParaRPr lang="es-PE" sz="2800" dirty="0">
+              <a:solidFill>
+                <a:schemeClr val="tx1">
+                  <a:lumMod val="65000"/>
+                  <a:lumOff val="35000"/>
+                </a:schemeClr>
+              </a:solidFill>
+            </a:endParaRPr>
+          </a:p>
+        </p:txBody>
+      </p:sp>
+      <p:grpSp>
+        <p:nvGrpSpPr>
+          <p:cNvPr id="24" name="23 Grupo"/>
+          <p:cNvGrpSpPr/>
+          <p:nvPr/>
+        </p:nvGrpSpPr>
+        <p:grpSpPr>
+          <a:xfrm>
+            <a:off x="3200399" y="1795906"/>
+            <a:ext cx="8472613" cy="523220"/>
+            <a:chOff x="3216728" y="915067"/>
+            <a:chExt cx="8472613" cy="523220"/>
+          </a:xfrm>
+        </p:grpSpPr>
+        <p:sp>
+          <p:nvSpPr>
+            <p:cNvPr id="26" name="CuadroTexto 15">
+              <a:extLst>
+                <a:ext uri="{FF2B5EF4-FFF2-40B4-BE49-F238E27FC236}">
+                  <a16:creationId xmlns:a16="http://schemas.microsoft.com/office/drawing/2014/main" xmlns="" id="{DC3DE8DA-18E9-5BAA-561F-80989FD10132}"/>
+                </a:ext>
+              </a:extLst>
+            </p:cNvPr>
+            <p:cNvSpPr txBox="1"/>
+            <p:nvPr/>
+          </p:nvSpPr>
+          <p:spPr>
+            <a:xfrm>
+              <a:off x="3216728" y="915067"/>
+              <a:ext cx="8472613" cy="523220"/>
+            </a:xfrm>
+            <a:prstGeom prst="rect">
+              <a:avLst/>
+            </a:prstGeom>
+            <a:noFill/>
+            <a:ln>
+              <a:solidFill>
+                <a:schemeClr val="tx2"/>
+              </a:solidFill>
+            </a:ln>
+          </p:spPr>
+          <p:txBody>
+            <a:bodyPr wrap="square" rtlCol="0">
+              <a:spAutoFit/>
+            </a:bodyPr>
+            <a:lstStyle/>
+            <a:p>
+              <a:endParaRPr lang="es-PE" sz="3600" dirty="0"/>
+            </a:p>
+          </p:txBody>
+        </p:sp>
+        <p:sp>
+          <p:nvSpPr>
+            <p:cNvPr id="27" name="Flecha: hacia abajo 16">
+              <a:extLst>
+                <a:ext uri="{FF2B5EF4-FFF2-40B4-BE49-F238E27FC236}">
+                  <a16:creationId xmlns:a16="http://schemas.microsoft.com/office/drawing/2014/main" xmlns="" id="{F2A1D8DF-7E15-DB50-C1B4-4AF533C402E6}"/>
+                </a:ext>
+              </a:extLst>
+            </p:cNvPr>
+            <p:cNvSpPr/>
+            <p:nvPr/>
+          </p:nvSpPr>
+          <p:spPr>
+            <a:xfrm>
+              <a:off x="11072968" y="1058534"/>
+              <a:ext cx="484632" cy="236284"/>
+            </a:xfrm>
+            <a:prstGeom prst="downArrow">
+              <a:avLst/>
+            </a:prstGeom>
+          </p:spPr>
+          <p:style>
+            <a:lnRef idx="2">
+              <a:schemeClr val="accent1">
+                <a:shade val="50000"/>
+              </a:schemeClr>
+            </a:lnRef>
+            <a:fillRef idx="1">
+              <a:schemeClr val="accent1"/>
+            </a:fillRef>
+            <a:effectRef idx="0">
+              <a:schemeClr val="accent1"/>
+            </a:effectRef>
+            <a:fontRef idx="minor">
+              <a:schemeClr val="lt1"/>
+            </a:fontRef>
+          </p:style>
+          <p:txBody>
+            <a:bodyPr rtlCol="0" anchor="ctr"/>
+            <a:lstStyle/>
+            <a:p>
+              <a:pPr algn="ctr"/>
+              <a:endParaRPr lang="es-PE"/>
+            </a:p>
+          </p:txBody>
+        </p:sp>
+      </p:grpSp>
+      <p:sp>
+        <p:nvSpPr>
+          <p:cNvPr id="31" name="CuadroTexto 15">
+            <a:extLst>
+              <a:ext uri="{FF2B5EF4-FFF2-40B4-BE49-F238E27FC236}">
+                <a16:creationId xmlns:a16="http://schemas.microsoft.com/office/drawing/2014/main" xmlns="" id="{DC3DE8DA-18E9-5BAA-561F-80989FD10132}"/>
+              </a:ext>
+            </a:extLst>
+          </p:cNvPr>
+          <p:cNvSpPr txBox="1"/>
+          <p:nvPr/>
+        </p:nvSpPr>
+        <p:spPr>
+          <a:xfrm>
+            <a:off x="3200401" y="2445781"/>
+            <a:ext cx="2987619" cy="523220"/>
+          </a:xfrm>
+          <a:prstGeom prst="rect">
+            <a:avLst/>
+          </a:prstGeom>
+          <a:noFill/>
+          <a:ln>
+            <a:solidFill>
+              <a:schemeClr val="tx2"/>
+            </a:solidFill>
+          </a:ln>
+        </p:spPr>
+        <p:txBody>
+          <a:bodyPr wrap="square" rtlCol="0">
+            <a:spAutoFit/>
+          </a:bodyPr>
+          <a:lstStyle/>
+          <a:p>
+            <a:endParaRPr lang="es-PE" sz="3600" dirty="0"/>
+          </a:p>
+        </p:txBody>
+      </p:sp>
+      <p:sp>
+        <p:nvSpPr>
+          <p:cNvPr id="32" name="Flecha: hacia abajo 16">
+            <a:extLst>
+              <a:ext uri="{FF2B5EF4-FFF2-40B4-BE49-F238E27FC236}">
+                <a16:creationId xmlns:a16="http://schemas.microsoft.com/office/drawing/2014/main" xmlns="" id="{F2A1D8DF-7E15-DB50-C1B4-4AF533C402E6}"/>
+              </a:ext>
+            </a:extLst>
+          </p:cNvPr>
+          <p:cNvSpPr/>
+          <p:nvPr/>
+        </p:nvSpPr>
+        <p:spPr>
+          <a:xfrm>
+            <a:off x="5640902" y="2594903"/>
+            <a:ext cx="484632" cy="236284"/>
+          </a:xfrm>
+          <a:prstGeom prst="downArrow">
+            <a:avLst/>
+          </a:prstGeom>
+        </p:spPr>
+        <p:style>
+          <a:lnRef idx="2">
+            <a:schemeClr val="accent1">
+              <a:shade val="50000"/>
+            </a:schemeClr>
+          </a:lnRef>
+          <a:fillRef idx="1">
+            <a:schemeClr val="accent1"/>
+          </a:fillRef>
+          <a:effectRef idx="0">
+            <a:schemeClr val="accent1"/>
+          </a:effectRef>
+          <a:fontRef idx="minor">
+            <a:schemeClr val="lt1"/>
+          </a:fontRef>
+        </p:style>
+        <p:txBody>
+          <a:bodyPr rtlCol="0" anchor="ctr"/>
+          <a:lstStyle/>
+          <a:p>
+            <a:pPr algn="ctr"/>
+            <a:endParaRPr lang="es-PE"/>
+          </a:p>
+        </p:txBody>
+      </p:sp>
+      <p:sp>
+        <p:nvSpPr>
+          <p:cNvPr id="36" name="CuadroTexto 6">
+            <a:extLst>
+              <a:ext uri="{FF2B5EF4-FFF2-40B4-BE49-F238E27FC236}">
+                <a16:creationId xmlns:a16="http://schemas.microsoft.com/office/drawing/2014/main" xmlns="" id="{231AF367-1616-4B80-8151-48696B4A3020}"/>
+              </a:ext>
+            </a:extLst>
+          </p:cNvPr>
+          <p:cNvSpPr txBox="1"/>
+          <p:nvPr/>
+        </p:nvSpPr>
+        <p:spPr>
+          <a:xfrm>
+            <a:off x="419093" y="3128162"/>
+            <a:ext cx="2699665" cy="523220"/>
+          </a:xfrm>
+          <a:prstGeom prst="rect">
+            <a:avLst/>
+          </a:prstGeom>
+          <a:noFill/>
+        </p:spPr>
+        <p:txBody>
+          <a:bodyPr wrap="square" rtlCol="0">
+            <a:spAutoFit/>
+          </a:bodyPr>
+          <a:lstStyle/>
+          <a:p>
+            <a:r>
+              <a:rPr lang="es-MX" sz="2800" dirty="0" smtClean="0">
+                <a:solidFill>
+                  <a:schemeClr val="tx1">
+                    <a:lumMod val="65000"/>
+                    <a:lumOff val="35000"/>
+                  </a:schemeClr>
+                </a:solidFill>
+              </a:rPr>
+              <a:t>Hora</a:t>
+            </a:r>
+            <a:r>
+              <a:rPr lang="es-MX" sz="2800" dirty="0" smtClean="0">
+                <a:solidFill>
+                  <a:schemeClr val="tx1">
+                    <a:lumMod val="65000"/>
+                    <a:lumOff val="35000"/>
+                  </a:schemeClr>
+                </a:solidFill>
+              </a:rPr>
+              <a:t> salida</a:t>
+            </a:r>
+            <a:endParaRPr lang="es-PE" sz="2800" dirty="0">
+              <a:solidFill>
+                <a:schemeClr val="tx1">
+                  <a:lumMod val="65000"/>
+                  <a:lumOff val="35000"/>
+                </a:schemeClr>
+              </a:solidFill>
+            </a:endParaRPr>
+          </a:p>
+        </p:txBody>
+      </p:sp>
+      <p:sp>
+        <p:nvSpPr>
+          <p:cNvPr id="37" name="CuadroTexto 15">
+            <a:extLst>
+              <a:ext uri="{FF2B5EF4-FFF2-40B4-BE49-F238E27FC236}">
+                <a16:creationId xmlns:a16="http://schemas.microsoft.com/office/drawing/2014/main" xmlns="" id="{DC3DE8DA-18E9-5BAA-561F-80989FD10132}"/>
+              </a:ext>
+            </a:extLst>
+          </p:cNvPr>
+          <p:cNvSpPr txBox="1"/>
+          <p:nvPr/>
+        </p:nvSpPr>
+        <p:spPr>
+          <a:xfrm>
+            <a:off x="3200402" y="3122508"/>
+            <a:ext cx="2987619" cy="523220"/>
+          </a:xfrm>
+          <a:prstGeom prst="rect">
+            <a:avLst/>
+          </a:prstGeom>
+          <a:noFill/>
+          <a:ln>
+            <a:solidFill>
+              <a:schemeClr val="tx2"/>
+            </a:solidFill>
+          </a:ln>
+        </p:spPr>
+        <p:txBody>
+          <a:bodyPr wrap="square" rtlCol="0">
+            <a:spAutoFit/>
+          </a:bodyPr>
+          <a:lstStyle/>
+          <a:p>
+            <a:endParaRPr lang="es-PE" sz="3600" dirty="0"/>
+          </a:p>
+        </p:txBody>
+      </p:sp>
+      <p:sp>
+        <p:nvSpPr>
+          <p:cNvPr id="38" name="Flecha: hacia abajo 16">
+            <a:extLst>
+              <a:ext uri="{FF2B5EF4-FFF2-40B4-BE49-F238E27FC236}">
+                <a16:creationId xmlns:a16="http://schemas.microsoft.com/office/drawing/2014/main" xmlns="" id="{F2A1D8DF-7E15-DB50-C1B4-4AF533C402E6}"/>
+              </a:ext>
+            </a:extLst>
+          </p:cNvPr>
+          <p:cNvSpPr/>
+          <p:nvPr/>
+        </p:nvSpPr>
+        <p:spPr>
+          <a:xfrm>
+            <a:off x="5626787" y="3271630"/>
+            <a:ext cx="484632" cy="236284"/>
+          </a:xfrm>
+          <a:prstGeom prst="downArrow">
+            <a:avLst/>
+          </a:prstGeom>
+        </p:spPr>
+        <p:style>
+          <a:lnRef idx="2">
+            <a:schemeClr val="accent1">
+              <a:shade val="50000"/>
+            </a:schemeClr>
+          </a:lnRef>
+          <a:fillRef idx="1">
+            <a:schemeClr val="accent1"/>
+          </a:fillRef>
+          <a:effectRef idx="0">
+            <a:schemeClr val="accent1"/>
+          </a:effectRef>
+          <a:fontRef idx="minor">
+            <a:schemeClr val="lt1"/>
+          </a:fontRef>
+        </p:style>
+        <p:txBody>
+          <a:bodyPr rtlCol="0" anchor="ctr"/>
+          <a:lstStyle/>
+          <a:p>
+            <a:pPr algn="ctr"/>
+            <a:endParaRPr lang="es-PE"/>
+          </a:p>
+        </p:txBody>
+      </p:sp>
+      <p:sp>
+        <p:nvSpPr>
+          <p:cNvPr id="39" name="CuadroTexto 15">
+            <a:extLst>
+              <a:ext uri="{FF2B5EF4-FFF2-40B4-BE49-F238E27FC236}">
+                <a16:creationId xmlns:a16="http://schemas.microsoft.com/office/drawing/2014/main" xmlns="" id="{DC3DE8DA-18E9-5BAA-561F-80989FD10132}"/>
+              </a:ext>
+            </a:extLst>
+          </p:cNvPr>
+          <p:cNvSpPr txBox="1"/>
+          <p:nvPr/>
+        </p:nvSpPr>
+        <p:spPr>
+          <a:xfrm>
+            <a:off x="8940720" y="2440128"/>
+            <a:ext cx="2732293" cy="523220"/>
+          </a:xfrm>
+          <a:prstGeom prst="rect">
+            <a:avLst/>
+          </a:prstGeom>
+          <a:noFill/>
+          <a:ln>
+            <a:solidFill>
+              <a:schemeClr val="tx2"/>
+            </a:solidFill>
+          </a:ln>
+        </p:spPr>
+        <p:txBody>
+          <a:bodyPr wrap="square" rtlCol="0">
+            <a:spAutoFit/>
+          </a:bodyPr>
+          <a:lstStyle/>
+          <a:p>
+            <a:endParaRPr lang="es-PE" sz="3600" dirty="0"/>
+          </a:p>
+        </p:txBody>
+      </p:sp>
+      <p:sp>
+        <p:nvSpPr>
+          <p:cNvPr id="40" name="CuadroTexto 15">
+            <a:extLst>
+              <a:ext uri="{FF2B5EF4-FFF2-40B4-BE49-F238E27FC236}">
+                <a16:creationId xmlns:a16="http://schemas.microsoft.com/office/drawing/2014/main" xmlns="" id="{DC3DE8DA-18E9-5BAA-561F-80989FD10132}"/>
+              </a:ext>
+            </a:extLst>
+          </p:cNvPr>
+          <p:cNvSpPr txBox="1"/>
+          <p:nvPr/>
+        </p:nvSpPr>
+        <p:spPr>
+          <a:xfrm>
+            <a:off x="8940720" y="3128162"/>
+            <a:ext cx="2732293" cy="523220"/>
+          </a:xfrm>
+          <a:prstGeom prst="rect">
+            <a:avLst/>
+          </a:prstGeom>
+          <a:noFill/>
+          <a:ln>
+            <a:solidFill>
+              <a:schemeClr val="tx2"/>
+            </a:solidFill>
+          </a:ln>
+        </p:spPr>
+        <p:txBody>
+          <a:bodyPr wrap="square" rtlCol="0">
+            <a:spAutoFit/>
+          </a:bodyPr>
+          <a:lstStyle/>
+          <a:p>
+            <a:endParaRPr lang="es-PE" sz="3600" dirty="0"/>
+          </a:p>
+        </p:txBody>
+      </p:sp>
+      <p:sp>
+        <p:nvSpPr>
+          <p:cNvPr id="41" name="CuadroTexto 15">
+            <a:extLst>
+              <a:ext uri="{FF2B5EF4-FFF2-40B4-BE49-F238E27FC236}">
+                <a16:creationId xmlns:a16="http://schemas.microsoft.com/office/drawing/2014/main" xmlns="" id="{DC3DE8DA-18E9-5BAA-561F-80989FD10132}"/>
+              </a:ext>
+            </a:extLst>
+          </p:cNvPr>
+          <p:cNvSpPr txBox="1"/>
+          <p:nvPr/>
+        </p:nvSpPr>
+        <p:spPr>
+          <a:xfrm>
+            <a:off x="8940720" y="3811926"/>
+            <a:ext cx="2732293" cy="523220"/>
+          </a:xfrm>
+          <a:prstGeom prst="rect">
+            <a:avLst/>
+          </a:prstGeom>
+          <a:noFill/>
+          <a:ln>
+            <a:solidFill>
+              <a:schemeClr val="tx2"/>
+            </a:solidFill>
+          </a:ln>
+        </p:spPr>
+        <p:txBody>
+          <a:bodyPr wrap="square" rtlCol="0">
+            <a:spAutoFit/>
+          </a:bodyPr>
+          <a:lstStyle/>
+          <a:p>
+            <a:endParaRPr lang="es-PE" sz="3600" dirty="0"/>
+          </a:p>
+        </p:txBody>
+      </p:sp>
+      <p:sp>
+        <p:nvSpPr>
+          <p:cNvPr id="42" name="CuadroTexto 6">
+            <a:extLst>
+              <a:ext uri="{FF2B5EF4-FFF2-40B4-BE49-F238E27FC236}">
+                <a16:creationId xmlns:a16="http://schemas.microsoft.com/office/drawing/2014/main" xmlns="" id="{231AF367-1616-4B80-8151-48696B4A3020}"/>
+              </a:ext>
+            </a:extLst>
+          </p:cNvPr>
+          <p:cNvSpPr txBox="1"/>
+          <p:nvPr/>
+        </p:nvSpPr>
+        <p:spPr>
+          <a:xfrm>
+            <a:off x="419096" y="3811926"/>
+            <a:ext cx="2699665" cy="523220"/>
+          </a:xfrm>
+          <a:prstGeom prst="rect">
+            <a:avLst/>
+          </a:prstGeom>
+          <a:noFill/>
+        </p:spPr>
+        <p:txBody>
+          <a:bodyPr wrap="square" rtlCol="0">
+            <a:spAutoFit/>
+          </a:bodyPr>
+          <a:lstStyle/>
+          <a:p>
+            <a:r>
+              <a:rPr lang="es-MX" sz="2800" dirty="0" smtClean="0">
+                <a:solidFill>
+                  <a:schemeClr val="tx1">
+                    <a:lumMod val="65000"/>
+                    <a:lumOff val="35000"/>
+                  </a:schemeClr>
+                </a:solidFill>
+              </a:rPr>
+              <a:t>Bus</a:t>
+            </a:r>
+            <a:endParaRPr lang="es-PE" sz="2800" dirty="0">
+              <a:solidFill>
+                <a:schemeClr val="tx1">
+                  <a:lumMod val="65000"/>
+                  <a:lumOff val="35000"/>
+                </a:schemeClr>
+              </a:solidFill>
+            </a:endParaRPr>
+          </a:p>
+        </p:txBody>
+      </p:sp>
+      <p:sp>
+        <p:nvSpPr>
+          <p:cNvPr id="43" name="CuadroTexto 15">
+            <a:extLst>
+              <a:ext uri="{FF2B5EF4-FFF2-40B4-BE49-F238E27FC236}">
+                <a16:creationId xmlns:a16="http://schemas.microsoft.com/office/drawing/2014/main" xmlns="" id="{DC3DE8DA-18E9-5BAA-561F-80989FD10132}"/>
+              </a:ext>
+            </a:extLst>
+          </p:cNvPr>
+          <p:cNvSpPr txBox="1"/>
+          <p:nvPr/>
+        </p:nvSpPr>
+        <p:spPr>
+          <a:xfrm>
+            <a:off x="3200405" y="3806272"/>
+            <a:ext cx="2987619" cy="523220"/>
+          </a:xfrm>
+          <a:prstGeom prst="rect">
+            <a:avLst/>
+          </a:prstGeom>
+          <a:noFill/>
+          <a:ln>
+            <a:solidFill>
+              <a:schemeClr val="tx2"/>
+            </a:solidFill>
+          </a:ln>
+        </p:spPr>
+        <p:txBody>
+          <a:bodyPr wrap="square" rtlCol="0">
+            <a:spAutoFit/>
+          </a:bodyPr>
+          <a:lstStyle/>
+          <a:p>
+            <a:endParaRPr lang="es-PE" sz="3600" dirty="0"/>
+          </a:p>
+        </p:txBody>
+      </p:sp>
+      <p:sp>
+        <p:nvSpPr>
+          <p:cNvPr id="44" name="Flecha: hacia abajo 16">
+            <a:extLst>
+              <a:ext uri="{FF2B5EF4-FFF2-40B4-BE49-F238E27FC236}">
+                <a16:creationId xmlns:a16="http://schemas.microsoft.com/office/drawing/2014/main" xmlns="" id="{F2A1D8DF-7E15-DB50-C1B4-4AF533C402E6}"/>
+              </a:ext>
+            </a:extLst>
+          </p:cNvPr>
+          <p:cNvSpPr/>
+          <p:nvPr/>
+        </p:nvSpPr>
+        <p:spPr>
+          <a:xfrm>
+            <a:off x="5595043" y="3955394"/>
+            <a:ext cx="484632" cy="236284"/>
+          </a:xfrm>
+          <a:prstGeom prst="downArrow">
+            <a:avLst/>
+          </a:prstGeom>
+        </p:spPr>
+        <p:style>
+          <a:lnRef idx="2">
+            <a:schemeClr val="accent1">
+              <a:shade val="50000"/>
+            </a:schemeClr>
+          </a:lnRef>
+          <a:fillRef idx="1">
+            <a:schemeClr val="accent1"/>
+          </a:fillRef>
+          <a:effectRef idx="0">
+            <a:schemeClr val="accent1"/>
+          </a:effectRef>
+          <a:fontRef idx="minor">
+            <a:schemeClr val="lt1"/>
+          </a:fontRef>
+        </p:style>
+        <p:txBody>
+          <a:bodyPr rtlCol="0" anchor="ctr"/>
+          <a:lstStyle/>
+          <a:p>
+            <a:pPr algn="ctr"/>
+            <a:endParaRPr lang="es-PE"/>
+          </a:p>
+        </p:txBody>
+      </p:sp>
+    </p:spTree>
+    <p:extLst>
+      <p:ext uri="{BB962C8B-B14F-4D97-AF65-F5344CB8AC3E}">
+        <p14:creationId xmlns:p14="http://schemas.microsoft.com/office/powerpoint/2010/main" val="118733577"/>
+      </p:ext>
+    </p:extLst>
+  </p:cSld>
+  <p:clrMapOvr>
+    <a:masterClrMapping/>
+  </p:clrMapOvr>
+  <p:timing>
+    <p:tnLst>
+      <p:par>
+        <p:cTn id="1" dur="indefinite" restart="never" nodeType="tmRoot"/>
+      </p:par>
+    </p:tnLst>
+  </p:timing>
 </p:sld>
 </file>
 
@@ -4943,7 +6151,7 @@
   <a:extraClrSchemeLst/>
   <a:extLst>
     <a:ext uri="{05A4C25C-085E-4340-85A3-A5531E510DB2}">
-      <thm15:themeFamily xmlns:thm15="http://schemas.microsoft.com/office/thememl/2012/main" name="Office Theme" id="{62F939B6-93AF-4DB8-9C6B-D6C7DFDC589F}" vid="{4A3C46E8-61CC-4603-A589-7422A47A8E4A}"/>
+      <thm15:themeFamily xmlns:thm15="http://schemas.microsoft.com/office/thememl/2012/main" xmlns="" name="Office Theme" id="{62F939B6-93AF-4DB8-9C6B-D6C7DFDC589F}" vid="{4A3C46E8-61CC-4603-A589-7422A47A8E4A}"/>
     </a:ext>
   </a:extLst>
 </a:theme>
